--- a/기상데이터분석 인공지능활용 창업경진대회 /결승전 준비/대전지역 폭염 예측 기술 _해와 달 사이 그대(선문대)_결승전.pptx
+++ b/기상데이터분석 인공지능활용 창업경진대회 /결승전 준비/대전지역 폭염 예측 기술 _해와 달 사이 그대(선문대)_결승전.pptx
@@ -3565,6 +3565,163 @@
           <a:chExt cx="0" cy="0"/>
         </a:xfrm>
       </p:grpSpPr>
+      <p:sp>
+        <p:nvSpPr>
+          <p:cNvPr id="10" name="직사각형 9">
+            <a:extLst>
+              <a:ext uri="{FF2B5EF4-FFF2-40B4-BE49-F238E27FC236}">
+                <a16:creationId xmlns:a16="http://schemas.microsoft.com/office/drawing/2014/main" id="{68ECDDE1-9865-7843-9456-7A90E438E58C}"/>
+              </a:ext>
+            </a:extLst>
+          </p:cNvPr>
+          <p:cNvSpPr/>
+          <p:nvPr/>
+        </p:nvSpPr>
+        <p:spPr>
+          <a:xfrm>
+            <a:off x="0" y="6459730"/>
+            <a:ext cx="12191999" cy="420613"/>
+          </a:xfrm>
+          <a:prstGeom prst="rect">
+            <a:avLst/>
+          </a:prstGeom>
+          <a:gradFill>
+            <a:gsLst>
+              <a:gs pos="0">
+                <a:schemeClr val="accent1">
+                  <a:lumMod val="5000"/>
+                  <a:lumOff val="95000"/>
+                </a:schemeClr>
+              </a:gs>
+              <a:gs pos="74000">
+                <a:schemeClr val="accent1">
+                  <a:lumMod val="45000"/>
+                  <a:lumOff val="55000"/>
+                </a:schemeClr>
+              </a:gs>
+              <a:gs pos="83000">
+                <a:schemeClr val="accent1">
+                  <a:lumMod val="45000"/>
+                  <a:lumOff val="55000"/>
+                </a:schemeClr>
+              </a:gs>
+              <a:gs pos="100000">
+                <a:schemeClr val="accent1">
+                  <a:lumMod val="30000"/>
+                  <a:lumOff val="70000"/>
+                </a:schemeClr>
+              </a:gs>
+            </a:gsLst>
+            <a:lin ang="5400000" scaled="1"/>
+          </a:gradFill>
+          <a:ln>
+            <a:noFill/>
+          </a:ln>
+        </p:spPr>
+        <p:style>
+          <a:lnRef idx="2">
+            <a:schemeClr val="accent1">
+              <a:shade val="50000"/>
+            </a:schemeClr>
+          </a:lnRef>
+          <a:fillRef idx="1">
+            <a:schemeClr val="accent1"/>
+          </a:fillRef>
+          <a:effectRef idx="0">
+            <a:schemeClr val="accent1"/>
+          </a:effectRef>
+          <a:fontRef idx="minor">
+            <a:schemeClr val="lt1"/>
+          </a:fontRef>
+        </p:style>
+        <p:txBody>
+          <a:bodyPr rtlCol="0" anchor="ctr"/>
+          <a:lstStyle/>
+          <a:p>
+            <a:pPr algn="ctr"/>
+            <a:endParaRPr kumimoji="1" lang="ko-KR" altLang="en-US" dirty="0"/>
+          </a:p>
+        </p:txBody>
+      </p:sp>
+      <p:sp>
+        <p:nvSpPr>
+          <p:cNvPr id="9" name="직사각형 8">
+            <a:extLst>
+              <a:ext uri="{FF2B5EF4-FFF2-40B4-BE49-F238E27FC236}">
+                <a16:creationId xmlns:a16="http://schemas.microsoft.com/office/drawing/2014/main" id="{393E9F4D-3D09-134F-9981-7B6B0BAAE9ED}"/>
+              </a:ext>
+            </a:extLst>
+          </p:cNvPr>
+          <p:cNvSpPr/>
+          <p:nvPr/>
+        </p:nvSpPr>
+        <p:spPr>
+          <a:xfrm>
+            <a:off x="0" y="-5689"/>
+            <a:ext cx="12191999" cy="2428503"/>
+          </a:xfrm>
+          <a:prstGeom prst="rect">
+            <a:avLst/>
+          </a:prstGeom>
+          <a:gradFill flip="none" rotWithShape="1">
+            <a:gsLst>
+              <a:gs pos="0">
+                <a:schemeClr val="accent1">
+                  <a:lumMod val="5000"/>
+                  <a:lumOff val="95000"/>
+                </a:schemeClr>
+              </a:gs>
+              <a:gs pos="74000">
+                <a:schemeClr val="accent1">
+                  <a:lumMod val="45000"/>
+                  <a:lumOff val="55000"/>
+                </a:schemeClr>
+              </a:gs>
+              <a:gs pos="83000">
+                <a:schemeClr val="accent1">
+                  <a:lumMod val="45000"/>
+                  <a:lumOff val="55000"/>
+                </a:schemeClr>
+              </a:gs>
+              <a:gs pos="100000">
+                <a:schemeClr val="accent1">
+                  <a:lumMod val="30000"/>
+                  <a:lumOff val="70000"/>
+                </a:schemeClr>
+              </a:gs>
+            </a:gsLst>
+            <a:lin ang="16200000" scaled="1"/>
+            <a:tileRect/>
+          </a:gradFill>
+          <a:ln>
+            <a:noFill/>
+          </a:ln>
+        </p:spPr>
+        <p:style>
+          <a:lnRef idx="2">
+            <a:schemeClr val="accent1">
+              <a:shade val="50000"/>
+            </a:schemeClr>
+          </a:lnRef>
+          <a:fillRef idx="1">
+            <a:schemeClr val="accent1"/>
+          </a:fillRef>
+          <a:effectRef idx="0">
+            <a:schemeClr val="accent1"/>
+          </a:effectRef>
+          <a:fontRef idx="minor">
+            <a:schemeClr val="lt1"/>
+          </a:fontRef>
+        </p:style>
+        <p:txBody>
+          <a:bodyPr rtlCol="0" anchor="ctr"/>
+          <a:lstStyle/>
+          <a:p>
+            <a:pPr algn="ctr"/>
+            <a:endParaRPr kumimoji="1" lang="ko-KR" altLang="en-US"/>
+          </a:p>
+        </p:txBody>
+      </p:sp>
       <p:pic>
         <p:nvPicPr>
           <p:cNvPr id="94" name="그림 6" descr="그림 6"/>
@@ -3608,7 +3765,7 @@
         </p:blipFill>
         <p:spPr>
           <a:xfrm flipH="1">
-            <a:off x="3045800" y="4972339"/>
+            <a:off x="2954361" y="4754837"/>
             <a:ext cx="1581209" cy="1704893"/>
           </a:xfrm>
           <a:prstGeom prst="rect">
@@ -3851,7 +4008,7 @@
           </a:prstGeom>
           <a:extLst>
             <a:ext uri="{C572A759-6A51-4108-AA02-DFA0A04FC94B}">
-              <ma14:wrappingTextBoxFlag xmlns="" xmlns:m="http://schemas.openxmlformats.org/officeDocument/2006/math" xmlns:a14="http://schemas.microsoft.com/office/drawing/2010/main" xmlns:ma14="http://schemas.microsoft.com/office/mac/drawingml/2011/main" val="1"/>
+              <ma14:wrappingTextBoxFlag xmlns:ma14="http://schemas.microsoft.com/office/mac/drawingml/2011/main" xmlns:a14="http://schemas.microsoft.com/office/drawing/2010/main" xmlns:m="http://schemas.openxmlformats.org/officeDocument/2006/math" xmlns="" val="1"/>
             </a:ext>
           </a:extLst>
         </p:spPr>
@@ -3912,7 +4069,7 @@
           </a:ln>
           <a:extLst>
             <a:ext uri="{C572A759-6A51-4108-AA02-DFA0A04FC94B}">
-              <ma14:wrappingTextBoxFlag xmlns="" xmlns:m="http://schemas.openxmlformats.org/officeDocument/2006/math" xmlns:a14="http://schemas.microsoft.com/office/drawing/2010/main" xmlns:ma14="http://schemas.microsoft.com/office/mac/drawingml/2011/main" val="1"/>
+              <ma14:wrappingTextBoxFlag xmlns:ma14="http://schemas.microsoft.com/office/mac/drawingml/2011/main" xmlns:a14="http://schemas.microsoft.com/office/drawing/2010/main" xmlns:m="http://schemas.openxmlformats.org/officeDocument/2006/math" xmlns="" val="1"/>
             </a:ext>
           </a:extLst>
         </p:spPr>
@@ -3963,6 +4120,137 @@
           </a:p>
         </p:txBody>
       </p:sp>
+      <p:pic>
+        <p:nvPicPr>
+          <p:cNvPr id="11" name="그림 10">
+            <a:extLst>
+              <a:ext uri="{FF2B5EF4-FFF2-40B4-BE49-F238E27FC236}">
+                <a16:creationId xmlns:a16="http://schemas.microsoft.com/office/drawing/2014/main" id="{4D44050F-0FF8-CE45-B2B7-2BFE14F020B0}"/>
+              </a:ext>
+            </a:extLst>
+          </p:cNvPr>
+          <p:cNvPicPr>
+            <a:picLocks noChangeAspect="1"/>
+          </p:cNvPicPr>
+          <p:nvPr/>
+        </p:nvPicPr>
+        <p:blipFill>
+          <a:blip r:embed="rId9">
+            <a:extLst>
+              <a:ext uri="{BEBA8EAE-BF5A-486C-A8C5-ECC9F3942E4B}">
+                <a14:imgProps xmlns:a14="http://schemas.microsoft.com/office/drawing/2010/main">
+                  <a14:imgLayer>
+                    <a14:imgEffect>
+                      <a14:backgroundRemoval t="0" b="100000" l="0" r="100000">
+                        <a14:foregroundMark x1="5000" y1="58889" x2="11444" y2="75111"/>
+                        <a14:foregroundMark x1="9000" y1="71333" x2="36333" y2="93222"/>
+                        <a14:foregroundMark x1="29889" y1="91556" x2="65889" y2="95000"/>
+                        <a14:foregroundMark x1="58222" y1="95667" x2="89222" y2="73778"/>
+                        <a14:foregroundMark x1="82444" y1="79778" x2="94889" y2="55556"/>
+                        <a14:foregroundMark x1="93889" y1="46444" x2="87111" y2="23222"/>
+                        <a14:foregroundMark x1="88778" y1="30000" x2="72000" y2="11444"/>
+                        <a14:foregroundMark x1="74333" y1="14111" x2="49444" y2="4667"/>
+                        <a14:foregroundMark x1="54778" y1="5000" x2="26222" y2="9111"/>
+                        <a14:foregroundMark x1="35000" y1="7778" x2="8667" y2="24556"/>
+                        <a14:foregroundMark x1="17444" y1="18889" x2="3000" y2="45111"/>
+                      </a14:backgroundRemoval>
+                    </a14:imgEffect>
+                  </a14:imgLayer>
+                </a14:imgProps>
+              </a:ext>
+            </a:extLst>
+          </a:blip>
+          <a:stretch>
+            <a:fillRect/>
+          </a:stretch>
+        </p:blipFill>
+        <p:spPr>
+          <a:xfrm>
+            <a:off x="132250" y="6473804"/>
+            <a:ext cx="386305" cy="386305"/>
+          </a:xfrm>
+          <a:prstGeom prst="rect">
+            <a:avLst/>
+          </a:prstGeom>
+        </p:spPr>
+      </p:pic>
+      <p:pic>
+        <p:nvPicPr>
+          <p:cNvPr id="12" name="그림 11">
+            <a:extLst>
+              <a:ext uri="{FF2B5EF4-FFF2-40B4-BE49-F238E27FC236}">
+                <a16:creationId xmlns:a16="http://schemas.microsoft.com/office/drawing/2014/main" id="{0A2CC541-E608-2B46-A6B3-524D83AC9487}"/>
+              </a:ext>
+            </a:extLst>
+          </p:cNvPr>
+          <p:cNvPicPr>
+            <a:picLocks noChangeAspect="1"/>
+          </p:cNvPicPr>
+          <p:nvPr/>
+        </p:nvPicPr>
+        <p:blipFill rotWithShape="1">
+          <a:blip r:embed="rId10">
+            <a:extLst>
+              <a:ext uri="{BEBA8EAE-BF5A-486C-A8C5-ECC9F3942E4B}">
+                <a14:imgProps xmlns:a14="http://schemas.microsoft.com/office/drawing/2010/main">
+                  <a14:imgLayer>
+                    <a14:imgEffect>
+                      <a14:backgroundRemoval t="10000" b="90000" l="32959" r="98315">
+                        <a14:foregroundMark x1="36704" y1="28667" x2="36704" y2="28667"/>
+                        <a14:foregroundMark x1="33146" y1="39333" x2="33146" y2="39333"/>
+                        <a14:foregroundMark x1="36142" y1="52667" x2="36142" y2="52667"/>
+                        <a14:foregroundMark x1="43071" y1="31333" x2="43071" y2="31333"/>
+                        <a14:foregroundMark x1="49438" y1="23333" x2="49438" y2="23333"/>
+                        <a14:foregroundMark x1="53184" y1="40667" x2="53184" y2="40667"/>
+                        <a14:foregroundMark x1="49813" y1="51333" x2="49813" y2="51333"/>
+                        <a14:foregroundMark x1="76779" y1="24667" x2="76779" y2="24667"/>
+                        <a14:foregroundMark x1="85955" y1="27333" x2="85955" y2="27333"/>
+                        <a14:foregroundMark x1="85206" y1="50667" x2="85206" y2="50667"/>
+                        <a14:foregroundMark x1="91011" y1="44667" x2="91011" y2="44667"/>
+                        <a14:foregroundMark x1="97566" y1="35333" x2="97566" y2="35333"/>
+                        <a14:foregroundMark x1="35955" y1="77333" x2="35955" y2="77333"/>
+                        <a14:foregroundMark x1="41386" y1="77333" x2="41386" y2="77333"/>
+                        <a14:foregroundMark x1="42697" y1="76667" x2="42697" y2="76667"/>
+                        <a14:foregroundMark x1="48502" y1="75333" x2="48502" y2="75333"/>
+                        <a14:foregroundMark x1="53184" y1="76667" x2="53184" y2="76667"/>
+                        <a14:foregroundMark x1="57678" y1="75333" x2="57678" y2="75333"/>
+                        <a14:foregroundMark x1="61985" y1="76000" x2="61985" y2="76000"/>
+                        <a14:foregroundMark x1="67416" y1="75333" x2="67416" y2="75333"/>
+                        <a14:foregroundMark x1="69850" y1="74667" x2="69850" y2="74667"/>
+                        <a14:foregroundMark x1="71161" y1="74667" x2="71161" y2="74667"/>
+                        <a14:foregroundMark x1="75468" y1="76000" x2="75468" y2="76000"/>
+                        <a14:foregroundMark x1="77154" y1="75333" x2="77154" y2="75333"/>
+                        <a14:foregroundMark x1="79401" y1="77333" x2="79401" y2="77333"/>
+                        <a14:foregroundMark x1="81086" y1="76000" x2="81086" y2="76000"/>
+                        <a14:foregroundMark x1="82397" y1="74000" x2="82397" y2="74000"/>
+                        <a14:foregroundMark x1="85768" y1="74667" x2="85768" y2="74667"/>
+                        <a14:foregroundMark x1="87828" y1="75333" x2="87828" y2="75333"/>
+                        <a14:foregroundMark x1="91011" y1="76000" x2="91011" y2="76000"/>
+                        <a14:foregroundMark x1="93633" y1="76000" x2="93633" y2="76000"/>
+                        <a14:foregroundMark x1="96442" y1="75333" x2="96442" y2="75333"/>
+                        <a14:foregroundMark x1="93071" y1="74000" x2="93071" y2="74000"/>
+                        <a14:foregroundMark x1="94757" y1="74000" x2="94757" y2="74000"/>
+                        <a14:foregroundMark x1="98315" y1="75333" x2="98315" y2="75333"/>
+                      </a14:backgroundRemoval>
+                    </a14:imgEffect>
+                  </a14:imgLayer>
+                </a14:imgProps>
+              </a:ext>
+            </a:extLst>
+          </a:blip>
+          <a:srcRect l="32072"/>
+          <a:stretch/>
+        </p:blipFill>
+        <p:spPr>
+          <a:xfrm>
+            <a:off x="518555" y="6456665"/>
+            <a:ext cx="1003220" cy="415375"/>
+          </a:xfrm>
+          <a:prstGeom prst="rect">
+            <a:avLst/>
+          </a:prstGeom>
+        </p:spPr>
+      </p:pic>
     </p:spTree>
   </p:cSld>
   <p:clrMapOvr>
@@ -3988,6 +4276,163 @@
           <a:chExt cx="0" cy="0"/>
         </a:xfrm>
       </p:grpSpPr>
+      <p:sp>
+        <p:nvSpPr>
+          <p:cNvPr id="9" name="직사각형 8">
+            <a:extLst>
+              <a:ext uri="{FF2B5EF4-FFF2-40B4-BE49-F238E27FC236}">
+                <a16:creationId xmlns:a16="http://schemas.microsoft.com/office/drawing/2014/main" id="{ACE4261F-72EC-4145-8B0C-2457E79CBA1C}"/>
+              </a:ext>
+            </a:extLst>
+          </p:cNvPr>
+          <p:cNvSpPr/>
+          <p:nvPr/>
+        </p:nvSpPr>
+        <p:spPr>
+          <a:xfrm>
+            <a:off x="0" y="6459730"/>
+            <a:ext cx="12191999" cy="420613"/>
+          </a:xfrm>
+          <a:prstGeom prst="rect">
+            <a:avLst/>
+          </a:prstGeom>
+          <a:gradFill>
+            <a:gsLst>
+              <a:gs pos="0">
+                <a:schemeClr val="accent1">
+                  <a:lumMod val="5000"/>
+                  <a:lumOff val="95000"/>
+                </a:schemeClr>
+              </a:gs>
+              <a:gs pos="74000">
+                <a:schemeClr val="accent1">
+                  <a:lumMod val="45000"/>
+                  <a:lumOff val="55000"/>
+                </a:schemeClr>
+              </a:gs>
+              <a:gs pos="83000">
+                <a:schemeClr val="accent1">
+                  <a:lumMod val="45000"/>
+                  <a:lumOff val="55000"/>
+                </a:schemeClr>
+              </a:gs>
+              <a:gs pos="100000">
+                <a:schemeClr val="accent1">
+                  <a:lumMod val="30000"/>
+                  <a:lumOff val="70000"/>
+                </a:schemeClr>
+              </a:gs>
+            </a:gsLst>
+            <a:lin ang="5400000" scaled="1"/>
+          </a:gradFill>
+          <a:ln>
+            <a:noFill/>
+          </a:ln>
+        </p:spPr>
+        <p:style>
+          <a:lnRef idx="2">
+            <a:schemeClr val="accent1">
+              <a:shade val="50000"/>
+            </a:schemeClr>
+          </a:lnRef>
+          <a:fillRef idx="1">
+            <a:schemeClr val="accent1"/>
+          </a:fillRef>
+          <a:effectRef idx="0">
+            <a:schemeClr val="accent1"/>
+          </a:effectRef>
+          <a:fontRef idx="minor">
+            <a:schemeClr val="lt1"/>
+          </a:fontRef>
+        </p:style>
+        <p:txBody>
+          <a:bodyPr rtlCol="0" anchor="ctr"/>
+          <a:lstStyle/>
+          <a:p>
+            <a:pPr algn="ctr"/>
+            <a:endParaRPr kumimoji="1" lang="ko-KR" altLang="en-US" dirty="0"/>
+          </a:p>
+        </p:txBody>
+      </p:sp>
+      <p:sp>
+        <p:nvSpPr>
+          <p:cNvPr id="8" name="직사각형 7">
+            <a:extLst>
+              <a:ext uri="{FF2B5EF4-FFF2-40B4-BE49-F238E27FC236}">
+                <a16:creationId xmlns:a16="http://schemas.microsoft.com/office/drawing/2014/main" id="{5E4D7F8B-484E-BE46-A009-11F59E8EC894}"/>
+              </a:ext>
+            </a:extLst>
+          </p:cNvPr>
+          <p:cNvSpPr/>
+          <p:nvPr/>
+        </p:nvSpPr>
+        <p:spPr>
+          <a:xfrm>
+            <a:off x="0" y="-5689"/>
+            <a:ext cx="12191999" cy="2428503"/>
+          </a:xfrm>
+          <a:prstGeom prst="rect">
+            <a:avLst/>
+          </a:prstGeom>
+          <a:gradFill flip="none" rotWithShape="1">
+            <a:gsLst>
+              <a:gs pos="0">
+                <a:schemeClr val="accent1">
+                  <a:lumMod val="5000"/>
+                  <a:lumOff val="95000"/>
+                </a:schemeClr>
+              </a:gs>
+              <a:gs pos="74000">
+                <a:schemeClr val="accent1">
+                  <a:lumMod val="45000"/>
+                  <a:lumOff val="55000"/>
+                </a:schemeClr>
+              </a:gs>
+              <a:gs pos="83000">
+                <a:schemeClr val="accent1">
+                  <a:lumMod val="45000"/>
+                  <a:lumOff val="55000"/>
+                </a:schemeClr>
+              </a:gs>
+              <a:gs pos="100000">
+                <a:schemeClr val="accent1">
+                  <a:lumMod val="30000"/>
+                  <a:lumOff val="70000"/>
+                </a:schemeClr>
+              </a:gs>
+            </a:gsLst>
+            <a:lin ang="16200000" scaled="1"/>
+            <a:tileRect/>
+          </a:gradFill>
+          <a:ln>
+            <a:noFill/>
+          </a:ln>
+        </p:spPr>
+        <p:style>
+          <a:lnRef idx="2">
+            <a:schemeClr val="accent1">
+              <a:shade val="50000"/>
+            </a:schemeClr>
+          </a:lnRef>
+          <a:fillRef idx="1">
+            <a:schemeClr val="accent1"/>
+          </a:fillRef>
+          <a:effectRef idx="0">
+            <a:schemeClr val="accent1"/>
+          </a:effectRef>
+          <a:fontRef idx="minor">
+            <a:schemeClr val="lt1"/>
+          </a:fontRef>
+        </p:style>
+        <p:txBody>
+          <a:bodyPr rtlCol="0" anchor="ctr"/>
+          <a:lstStyle/>
+          <a:p>
+            <a:pPr algn="ctr"/>
+            <a:endParaRPr kumimoji="1" lang="ko-KR" altLang="en-US"/>
+          </a:p>
+        </p:txBody>
+      </p:sp>
       <p:sp>
         <p:nvSpPr>
           <p:cNvPr id="170" name="제목 1"/>
@@ -4052,7 +4497,7 @@
           </a:prstGeom>
           <a:extLst>
             <a:ext uri="{C572A759-6A51-4108-AA02-DFA0A04FC94B}">
-              <ma14:wrappingTextBoxFlag xmlns="" xmlns:m="http://schemas.openxmlformats.org/officeDocument/2006/math" xmlns:a14="http://schemas.microsoft.com/office/drawing/2010/main" xmlns:ma14="http://schemas.microsoft.com/office/mac/drawingml/2011/main" val="1"/>
+              <ma14:wrappingTextBoxFlag xmlns:ma14="http://schemas.microsoft.com/office/mac/drawingml/2011/main" xmlns:a14="http://schemas.microsoft.com/office/drawing/2010/main" xmlns:m="http://schemas.openxmlformats.org/officeDocument/2006/math" xmlns="" val="1"/>
             </a:ext>
           </a:extLst>
         </p:spPr>
@@ -4086,7 +4531,7 @@
           </a:ln>
           <a:extLst>
             <a:ext uri="{C572A759-6A51-4108-AA02-DFA0A04FC94B}">
-              <ma14:wrappingTextBoxFlag xmlns="" xmlns:m="http://schemas.openxmlformats.org/officeDocument/2006/math" xmlns:a14="http://schemas.microsoft.com/office/drawing/2010/main" xmlns:ma14="http://schemas.microsoft.com/office/mac/drawingml/2011/main" val="1"/>
+              <ma14:wrappingTextBoxFlag xmlns:ma14="http://schemas.microsoft.com/office/mac/drawingml/2011/main" xmlns:a14="http://schemas.microsoft.com/office/drawing/2010/main" xmlns:m="http://schemas.openxmlformats.org/officeDocument/2006/math" xmlns="" val="1"/>
             </a:ext>
           </a:extLst>
         </p:spPr>
@@ -4718,7 +5163,7 @@
           </a:ln>
           <a:extLst>
             <a:ext uri="{C572A759-6A51-4108-AA02-DFA0A04FC94B}">
-              <ma14:wrappingTextBoxFlag xmlns="" xmlns:m="http://schemas.openxmlformats.org/officeDocument/2006/math" xmlns:a14="http://schemas.microsoft.com/office/drawing/2010/main" xmlns:ma14="http://schemas.microsoft.com/office/mac/drawingml/2011/main" val="1"/>
+              <ma14:wrappingTextBoxFlag xmlns:ma14="http://schemas.microsoft.com/office/mac/drawingml/2011/main" xmlns:a14="http://schemas.microsoft.com/office/drawing/2010/main" xmlns:m="http://schemas.openxmlformats.org/officeDocument/2006/math" xmlns="" val="1"/>
             </a:ext>
           </a:extLst>
         </p:spPr>
@@ -4818,6 +5263,137 @@
           </a:p>
         </p:txBody>
       </p:sp>
+      <p:pic>
+        <p:nvPicPr>
+          <p:cNvPr id="10" name="그림 9">
+            <a:extLst>
+              <a:ext uri="{FF2B5EF4-FFF2-40B4-BE49-F238E27FC236}">
+                <a16:creationId xmlns:a16="http://schemas.microsoft.com/office/drawing/2014/main" id="{1053BE84-9252-E848-8030-A034301F94D4}"/>
+              </a:ext>
+            </a:extLst>
+          </p:cNvPr>
+          <p:cNvPicPr>
+            <a:picLocks noChangeAspect="1"/>
+          </p:cNvPicPr>
+          <p:nvPr/>
+        </p:nvPicPr>
+        <p:blipFill>
+          <a:blip r:embed="rId3">
+            <a:extLst>
+              <a:ext uri="{BEBA8EAE-BF5A-486C-A8C5-ECC9F3942E4B}">
+                <a14:imgProps xmlns:a14="http://schemas.microsoft.com/office/drawing/2010/main">
+                  <a14:imgLayer>
+                    <a14:imgEffect>
+                      <a14:backgroundRemoval t="0" b="100000" l="0" r="100000">
+                        <a14:foregroundMark x1="5000" y1="58889" x2="11444" y2="75111"/>
+                        <a14:foregroundMark x1="9000" y1="71333" x2="36333" y2="93222"/>
+                        <a14:foregroundMark x1="29889" y1="91556" x2="65889" y2="95000"/>
+                        <a14:foregroundMark x1="58222" y1="95667" x2="89222" y2="73778"/>
+                        <a14:foregroundMark x1="82444" y1="79778" x2="94889" y2="55556"/>
+                        <a14:foregroundMark x1="93889" y1="46444" x2="87111" y2="23222"/>
+                        <a14:foregroundMark x1="88778" y1="30000" x2="72000" y2="11444"/>
+                        <a14:foregroundMark x1="74333" y1="14111" x2="49444" y2="4667"/>
+                        <a14:foregroundMark x1="54778" y1="5000" x2="26222" y2="9111"/>
+                        <a14:foregroundMark x1="35000" y1="7778" x2="8667" y2="24556"/>
+                        <a14:foregroundMark x1="17444" y1="18889" x2="3000" y2="45111"/>
+                      </a14:backgroundRemoval>
+                    </a14:imgEffect>
+                  </a14:imgLayer>
+                </a14:imgProps>
+              </a:ext>
+            </a:extLst>
+          </a:blip>
+          <a:stretch>
+            <a:fillRect/>
+          </a:stretch>
+        </p:blipFill>
+        <p:spPr>
+          <a:xfrm>
+            <a:off x="132250" y="6473804"/>
+            <a:ext cx="386305" cy="386305"/>
+          </a:xfrm>
+          <a:prstGeom prst="rect">
+            <a:avLst/>
+          </a:prstGeom>
+        </p:spPr>
+      </p:pic>
+      <p:pic>
+        <p:nvPicPr>
+          <p:cNvPr id="11" name="그림 10">
+            <a:extLst>
+              <a:ext uri="{FF2B5EF4-FFF2-40B4-BE49-F238E27FC236}">
+                <a16:creationId xmlns:a16="http://schemas.microsoft.com/office/drawing/2014/main" id="{2547040A-C06C-7447-9248-7E9211ABAD38}"/>
+              </a:ext>
+            </a:extLst>
+          </p:cNvPr>
+          <p:cNvPicPr>
+            <a:picLocks noChangeAspect="1"/>
+          </p:cNvPicPr>
+          <p:nvPr/>
+        </p:nvPicPr>
+        <p:blipFill rotWithShape="1">
+          <a:blip r:embed="rId4">
+            <a:extLst>
+              <a:ext uri="{BEBA8EAE-BF5A-486C-A8C5-ECC9F3942E4B}">
+                <a14:imgProps xmlns:a14="http://schemas.microsoft.com/office/drawing/2010/main">
+                  <a14:imgLayer>
+                    <a14:imgEffect>
+                      <a14:backgroundRemoval t="10000" b="90000" l="32959" r="98315">
+                        <a14:foregroundMark x1="36704" y1="28667" x2="36704" y2="28667"/>
+                        <a14:foregroundMark x1="33146" y1="39333" x2="33146" y2="39333"/>
+                        <a14:foregroundMark x1="36142" y1="52667" x2="36142" y2="52667"/>
+                        <a14:foregroundMark x1="43071" y1="31333" x2="43071" y2="31333"/>
+                        <a14:foregroundMark x1="49438" y1="23333" x2="49438" y2="23333"/>
+                        <a14:foregroundMark x1="53184" y1="40667" x2="53184" y2="40667"/>
+                        <a14:foregroundMark x1="49813" y1="51333" x2="49813" y2="51333"/>
+                        <a14:foregroundMark x1="76779" y1="24667" x2="76779" y2="24667"/>
+                        <a14:foregroundMark x1="85955" y1="27333" x2="85955" y2="27333"/>
+                        <a14:foregroundMark x1="85206" y1="50667" x2="85206" y2="50667"/>
+                        <a14:foregroundMark x1="91011" y1="44667" x2="91011" y2="44667"/>
+                        <a14:foregroundMark x1="97566" y1="35333" x2="97566" y2="35333"/>
+                        <a14:foregroundMark x1="35955" y1="77333" x2="35955" y2="77333"/>
+                        <a14:foregroundMark x1="41386" y1="77333" x2="41386" y2="77333"/>
+                        <a14:foregroundMark x1="42697" y1="76667" x2="42697" y2="76667"/>
+                        <a14:foregroundMark x1="48502" y1="75333" x2="48502" y2="75333"/>
+                        <a14:foregroundMark x1="53184" y1="76667" x2="53184" y2="76667"/>
+                        <a14:foregroundMark x1="57678" y1="75333" x2="57678" y2="75333"/>
+                        <a14:foregroundMark x1="61985" y1="76000" x2="61985" y2="76000"/>
+                        <a14:foregroundMark x1="67416" y1="75333" x2="67416" y2="75333"/>
+                        <a14:foregroundMark x1="69850" y1="74667" x2="69850" y2="74667"/>
+                        <a14:foregroundMark x1="71161" y1="74667" x2="71161" y2="74667"/>
+                        <a14:foregroundMark x1="75468" y1="76000" x2="75468" y2="76000"/>
+                        <a14:foregroundMark x1="77154" y1="75333" x2="77154" y2="75333"/>
+                        <a14:foregroundMark x1="79401" y1="77333" x2="79401" y2="77333"/>
+                        <a14:foregroundMark x1="81086" y1="76000" x2="81086" y2="76000"/>
+                        <a14:foregroundMark x1="82397" y1="74000" x2="82397" y2="74000"/>
+                        <a14:foregroundMark x1="85768" y1="74667" x2="85768" y2="74667"/>
+                        <a14:foregroundMark x1="87828" y1="75333" x2="87828" y2="75333"/>
+                        <a14:foregroundMark x1="91011" y1="76000" x2="91011" y2="76000"/>
+                        <a14:foregroundMark x1="93633" y1="76000" x2="93633" y2="76000"/>
+                        <a14:foregroundMark x1="96442" y1="75333" x2="96442" y2="75333"/>
+                        <a14:foregroundMark x1="93071" y1="74000" x2="93071" y2="74000"/>
+                        <a14:foregroundMark x1="94757" y1="74000" x2="94757" y2="74000"/>
+                        <a14:foregroundMark x1="98315" y1="75333" x2="98315" y2="75333"/>
+                      </a14:backgroundRemoval>
+                    </a14:imgEffect>
+                  </a14:imgLayer>
+                </a14:imgProps>
+              </a:ext>
+            </a:extLst>
+          </a:blip>
+          <a:srcRect l="32072"/>
+          <a:stretch/>
+        </p:blipFill>
+        <p:spPr>
+          <a:xfrm>
+            <a:off x="518555" y="6456665"/>
+            <a:ext cx="1003220" cy="415375"/>
+          </a:xfrm>
+          <a:prstGeom prst="rect">
+            <a:avLst/>
+          </a:prstGeom>
+        </p:spPr>
+      </p:pic>
     </p:spTree>
   </p:cSld>
   <p:clrMapOvr>
@@ -5680,6 +6256,163 @@
       </p:grpSpPr>
       <p:sp>
         <p:nvSpPr>
+          <p:cNvPr id="11" name="직사각형 10">
+            <a:extLst>
+              <a:ext uri="{FF2B5EF4-FFF2-40B4-BE49-F238E27FC236}">
+                <a16:creationId xmlns:a16="http://schemas.microsoft.com/office/drawing/2014/main" id="{C60EABD3-88FE-EB42-B044-68BEC20E3DF1}"/>
+              </a:ext>
+            </a:extLst>
+          </p:cNvPr>
+          <p:cNvSpPr/>
+          <p:nvPr/>
+        </p:nvSpPr>
+        <p:spPr>
+          <a:xfrm>
+            <a:off x="0" y="6459730"/>
+            <a:ext cx="12191999" cy="420613"/>
+          </a:xfrm>
+          <a:prstGeom prst="rect">
+            <a:avLst/>
+          </a:prstGeom>
+          <a:gradFill>
+            <a:gsLst>
+              <a:gs pos="0">
+                <a:schemeClr val="accent1">
+                  <a:lumMod val="5000"/>
+                  <a:lumOff val="95000"/>
+                </a:schemeClr>
+              </a:gs>
+              <a:gs pos="74000">
+                <a:schemeClr val="accent1">
+                  <a:lumMod val="45000"/>
+                  <a:lumOff val="55000"/>
+                </a:schemeClr>
+              </a:gs>
+              <a:gs pos="83000">
+                <a:schemeClr val="accent1">
+                  <a:lumMod val="45000"/>
+                  <a:lumOff val="55000"/>
+                </a:schemeClr>
+              </a:gs>
+              <a:gs pos="100000">
+                <a:schemeClr val="accent1">
+                  <a:lumMod val="30000"/>
+                  <a:lumOff val="70000"/>
+                </a:schemeClr>
+              </a:gs>
+            </a:gsLst>
+            <a:lin ang="5400000" scaled="1"/>
+          </a:gradFill>
+          <a:ln>
+            <a:noFill/>
+          </a:ln>
+        </p:spPr>
+        <p:style>
+          <a:lnRef idx="2">
+            <a:schemeClr val="accent1">
+              <a:shade val="50000"/>
+            </a:schemeClr>
+          </a:lnRef>
+          <a:fillRef idx="1">
+            <a:schemeClr val="accent1"/>
+          </a:fillRef>
+          <a:effectRef idx="0">
+            <a:schemeClr val="accent1"/>
+          </a:effectRef>
+          <a:fontRef idx="minor">
+            <a:schemeClr val="lt1"/>
+          </a:fontRef>
+        </p:style>
+        <p:txBody>
+          <a:bodyPr rtlCol="0" anchor="ctr"/>
+          <a:lstStyle/>
+          <a:p>
+            <a:pPr algn="ctr"/>
+            <a:endParaRPr kumimoji="1" lang="ko-KR" altLang="en-US" dirty="0"/>
+          </a:p>
+        </p:txBody>
+      </p:sp>
+      <p:sp>
+        <p:nvSpPr>
+          <p:cNvPr id="10" name="직사각형 9">
+            <a:extLst>
+              <a:ext uri="{FF2B5EF4-FFF2-40B4-BE49-F238E27FC236}">
+                <a16:creationId xmlns:a16="http://schemas.microsoft.com/office/drawing/2014/main" id="{AD799215-B990-454C-A083-E323AA14AEAF}"/>
+              </a:ext>
+            </a:extLst>
+          </p:cNvPr>
+          <p:cNvSpPr/>
+          <p:nvPr/>
+        </p:nvSpPr>
+        <p:spPr>
+          <a:xfrm>
+            <a:off x="0" y="-5689"/>
+            <a:ext cx="12191999" cy="2428503"/>
+          </a:xfrm>
+          <a:prstGeom prst="rect">
+            <a:avLst/>
+          </a:prstGeom>
+          <a:gradFill flip="none" rotWithShape="1">
+            <a:gsLst>
+              <a:gs pos="0">
+                <a:schemeClr val="accent1">
+                  <a:lumMod val="5000"/>
+                  <a:lumOff val="95000"/>
+                </a:schemeClr>
+              </a:gs>
+              <a:gs pos="74000">
+                <a:schemeClr val="accent1">
+                  <a:lumMod val="45000"/>
+                  <a:lumOff val="55000"/>
+                </a:schemeClr>
+              </a:gs>
+              <a:gs pos="83000">
+                <a:schemeClr val="accent1">
+                  <a:lumMod val="45000"/>
+                  <a:lumOff val="55000"/>
+                </a:schemeClr>
+              </a:gs>
+              <a:gs pos="100000">
+                <a:schemeClr val="accent1">
+                  <a:lumMod val="30000"/>
+                  <a:lumOff val="70000"/>
+                </a:schemeClr>
+              </a:gs>
+            </a:gsLst>
+            <a:lin ang="16200000" scaled="1"/>
+            <a:tileRect/>
+          </a:gradFill>
+          <a:ln>
+            <a:noFill/>
+          </a:ln>
+        </p:spPr>
+        <p:style>
+          <a:lnRef idx="2">
+            <a:schemeClr val="accent1">
+              <a:shade val="50000"/>
+            </a:schemeClr>
+          </a:lnRef>
+          <a:fillRef idx="1">
+            <a:schemeClr val="accent1"/>
+          </a:fillRef>
+          <a:effectRef idx="0">
+            <a:schemeClr val="accent1"/>
+          </a:effectRef>
+          <a:fontRef idx="minor">
+            <a:schemeClr val="lt1"/>
+          </a:fontRef>
+        </p:style>
+        <p:txBody>
+          <a:bodyPr rtlCol="0" anchor="ctr"/>
+          <a:lstStyle/>
+          <a:p>
+            <a:pPr algn="ctr"/>
+            <a:endParaRPr kumimoji="1" lang="ko-KR" altLang="en-US"/>
+          </a:p>
+        </p:txBody>
+      </p:sp>
+      <p:sp>
+        <p:nvSpPr>
           <p:cNvPr id="176" name="제목 1"/>
           <p:cNvSpPr txBox="1">
             <a:spLocks noGrp="1"/>
@@ -5736,7 +6469,7 @@
           </a:prstGeom>
           <a:extLst>
             <a:ext uri="{C572A759-6A51-4108-AA02-DFA0A04FC94B}">
-              <ma14:wrappingTextBoxFlag xmlns="" xmlns:m="http://schemas.openxmlformats.org/officeDocument/2006/math" xmlns:a14="http://schemas.microsoft.com/office/drawing/2010/main" xmlns:ma14="http://schemas.microsoft.com/office/mac/drawingml/2011/main" val="1"/>
+              <ma14:wrappingTextBoxFlag xmlns:ma14="http://schemas.microsoft.com/office/mac/drawingml/2011/main" xmlns:a14="http://schemas.microsoft.com/office/drawing/2010/main" xmlns:m="http://schemas.openxmlformats.org/officeDocument/2006/math" xmlns="" val="1"/>
             </a:ext>
           </a:extLst>
         </p:spPr>
@@ -5770,7 +6503,7 @@
           </a:ln>
           <a:extLst>
             <a:ext uri="{C572A759-6A51-4108-AA02-DFA0A04FC94B}">
-              <ma14:wrappingTextBoxFlag xmlns="" xmlns:m="http://schemas.openxmlformats.org/officeDocument/2006/math" xmlns:a14="http://schemas.microsoft.com/office/drawing/2010/main" xmlns:ma14="http://schemas.microsoft.com/office/mac/drawingml/2011/main" val="1"/>
+              <ma14:wrappingTextBoxFlag xmlns:ma14="http://schemas.microsoft.com/office/mac/drawingml/2011/main" xmlns:a14="http://schemas.microsoft.com/office/drawing/2010/main" xmlns:m="http://schemas.openxmlformats.org/officeDocument/2006/math" xmlns="" val="1"/>
             </a:ext>
           </a:extLst>
         </p:spPr>
@@ -5813,7 +6546,7 @@
           </a:ln>
           <a:extLst>
             <a:ext uri="{C572A759-6A51-4108-AA02-DFA0A04FC94B}">
-              <ma14:wrappingTextBoxFlag xmlns="" xmlns:m="http://schemas.openxmlformats.org/officeDocument/2006/math" xmlns:a14="http://schemas.microsoft.com/office/drawing/2010/main" xmlns:ma14="http://schemas.microsoft.com/office/mac/drawingml/2011/main" val="1"/>
+              <ma14:wrappingTextBoxFlag xmlns:ma14="http://schemas.microsoft.com/office/mac/drawingml/2011/main" xmlns:a14="http://schemas.microsoft.com/office/drawing/2010/main" xmlns:m="http://schemas.openxmlformats.org/officeDocument/2006/math" xmlns="" val="1"/>
             </a:ext>
           </a:extLst>
         </p:spPr>
@@ -6073,6 +6806,137 @@
           </a:p>
         </p:txBody>
       </p:sp>
+      <p:pic>
+        <p:nvPicPr>
+          <p:cNvPr id="12" name="그림 11">
+            <a:extLst>
+              <a:ext uri="{FF2B5EF4-FFF2-40B4-BE49-F238E27FC236}">
+                <a16:creationId xmlns:a16="http://schemas.microsoft.com/office/drawing/2014/main" id="{C45DCE3A-10B3-1D48-8686-F4EE95284A04}"/>
+              </a:ext>
+            </a:extLst>
+          </p:cNvPr>
+          <p:cNvPicPr>
+            <a:picLocks noChangeAspect="1"/>
+          </p:cNvPicPr>
+          <p:nvPr/>
+        </p:nvPicPr>
+        <p:blipFill>
+          <a:blip r:embed="rId8">
+            <a:extLst>
+              <a:ext uri="{BEBA8EAE-BF5A-486C-A8C5-ECC9F3942E4B}">
+                <a14:imgProps xmlns:a14="http://schemas.microsoft.com/office/drawing/2010/main">
+                  <a14:imgLayer>
+                    <a14:imgEffect>
+                      <a14:backgroundRemoval t="0" b="100000" l="0" r="100000">
+                        <a14:foregroundMark x1="5000" y1="58889" x2="11444" y2="75111"/>
+                        <a14:foregroundMark x1="9000" y1="71333" x2="36333" y2="93222"/>
+                        <a14:foregroundMark x1="29889" y1="91556" x2="65889" y2="95000"/>
+                        <a14:foregroundMark x1="58222" y1="95667" x2="89222" y2="73778"/>
+                        <a14:foregroundMark x1="82444" y1="79778" x2="94889" y2="55556"/>
+                        <a14:foregroundMark x1="93889" y1="46444" x2="87111" y2="23222"/>
+                        <a14:foregroundMark x1="88778" y1="30000" x2="72000" y2="11444"/>
+                        <a14:foregroundMark x1="74333" y1="14111" x2="49444" y2="4667"/>
+                        <a14:foregroundMark x1="54778" y1="5000" x2="26222" y2="9111"/>
+                        <a14:foregroundMark x1="35000" y1="7778" x2="8667" y2="24556"/>
+                        <a14:foregroundMark x1="17444" y1="18889" x2="3000" y2="45111"/>
+                      </a14:backgroundRemoval>
+                    </a14:imgEffect>
+                  </a14:imgLayer>
+                </a14:imgProps>
+              </a:ext>
+            </a:extLst>
+          </a:blip>
+          <a:stretch>
+            <a:fillRect/>
+          </a:stretch>
+        </p:blipFill>
+        <p:spPr>
+          <a:xfrm>
+            <a:off x="132250" y="6473804"/>
+            <a:ext cx="386305" cy="386305"/>
+          </a:xfrm>
+          <a:prstGeom prst="rect">
+            <a:avLst/>
+          </a:prstGeom>
+        </p:spPr>
+      </p:pic>
+      <p:pic>
+        <p:nvPicPr>
+          <p:cNvPr id="13" name="그림 12">
+            <a:extLst>
+              <a:ext uri="{FF2B5EF4-FFF2-40B4-BE49-F238E27FC236}">
+                <a16:creationId xmlns:a16="http://schemas.microsoft.com/office/drawing/2014/main" id="{2C177823-3B0E-FA42-BD31-D740BB71F036}"/>
+              </a:ext>
+            </a:extLst>
+          </p:cNvPr>
+          <p:cNvPicPr>
+            <a:picLocks noChangeAspect="1"/>
+          </p:cNvPicPr>
+          <p:nvPr/>
+        </p:nvPicPr>
+        <p:blipFill rotWithShape="1">
+          <a:blip r:embed="rId9">
+            <a:extLst>
+              <a:ext uri="{BEBA8EAE-BF5A-486C-A8C5-ECC9F3942E4B}">
+                <a14:imgProps xmlns:a14="http://schemas.microsoft.com/office/drawing/2010/main">
+                  <a14:imgLayer>
+                    <a14:imgEffect>
+                      <a14:backgroundRemoval t="10000" b="90000" l="32959" r="98315">
+                        <a14:foregroundMark x1="36704" y1="28667" x2="36704" y2="28667"/>
+                        <a14:foregroundMark x1="33146" y1="39333" x2="33146" y2="39333"/>
+                        <a14:foregroundMark x1="36142" y1="52667" x2="36142" y2="52667"/>
+                        <a14:foregroundMark x1="43071" y1="31333" x2="43071" y2="31333"/>
+                        <a14:foregroundMark x1="49438" y1="23333" x2="49438" y2="23333"/>
+                        <a14:foregroundMark x1="53184" y1="40667" x2="53184" y2="40667"/>
+                        <a14:foregroundMark x1="49813" y1="51333" x2="49813" y2="51333"/>
+                        <a14:foregroundMark x1="76779" y1="24667" x2="76779" y2="24667"/>
+                        <a14:foregroundMark x1="85955" y1="27333" x2="85955" y2="27333"/>
+                        <a14:foregroundMark x1="85206" y1="50667" x2="85206" y2="50667"/>
+                        <a14:foregroundMark x1="91011" y1="44667" x2="91011" y2="44667"/>
+                        <a14:foregroundMark x1="97566" y1="35333" x2="97566" y2="35333"/>
+                        <a14:foregroundMark x1="35955" y1="77333" x2="35955" y2="77333"/>
+                        <a14:foregroundMark x1="41386" y1="77333" x2="41386" y2="77333"/>
+                        <a14:foregroundMark x1="42697" y1="76667" x2="42697" y2="76667"/>
+                        <a14:foregroundMark x1="48502" y1="75333" x2="48502" y2="75333"/>
+                        <a14:foregroundMark x1="53184" y1="76667" x2="53184" y2="76667"/>
+                        <a14:foregroundMark x1="57678" y1="75333" x2="57678" y2="75333"/>
+                        <a14:foregroundMark x1="61985" y1="76000" x2="61985" y2="76000"/>
+                        <a14:foregroundMark x1="67416" y1="75333" x2="67416" y2="75333"/>
+                        <a14:foregroundMark x1="69850" y1="74667" x2="69850" y2="74667"/>
+                        <a14:foregroundMark x1="71161" y1="74667" x2="71161" y2="74667"/>
+                        <a14:foregroundMark x1="75468" y1="76000" x2="75468" y2="76000"/>
+                        <a14:foregroundMark x1="77154" y1="75333" x2="77154" y2="75333"/>
+                        <a14:foregroundMark x1="79401" y1="77333" x2="79401" y2="77333"/>
+                        <a14:foregroundMark x1="81086" y1="76000" x2="81086" y2="76000"/>
+                        <a14:foregroundMark x1="82397" y1="74000" x2="82397" y2="74000"/>
+                        <a14:foregroundMark x1="85768" y1="74667" x2="85768" y2="74667"/>
+                        <a14:foregroundMark x1="87828" y1="75333" x2="87828" y2="75333"/>
+                        <a14:foregroundMark x1="91011" y1="76000" x2="91011" y2="76000"/>
+                        <a14:foregroundMark x1="93633" y1="76000" x2="93633" y2="76000"/>
+                        <a14:foregroundMark x1="96442" y1="75333" x2="96442" y2="75333"/>
+                        <a14:foregroundMark x1="93071" y1="74000" x2="93071" y2="74000"/>
+                        <a14:foregroundMark x1="94757" y1="74000" x2="94757" y2="74000"/>
+                        <a14:foregroundMark x1="98315" y1="75333" x2="98315" y2="75333"/>
+                      </a14:backgroundRemoval>
+                    </a14:imgEffect>
+                  </a14:imgLayer>
+                </a14:imgProps>
+              </a:ext>
+            </a:extLst>
+          </a:blip>
+          <a:srcRect l="32072"/>
+          <a:stretch/>
+        </p:blipFill>
+        <p:spPr>
+          <a:xfrm>
+            <a:off x="518555" y="6456665"/>
+            <a:ext cx="1003220" cy="415375"/>
+          </a:xfrm>
+          <a:prstGeom prst="rect">
+            <a:avLst/>
+          </a:prstGeom>
+        </p:spPr>
+      </p:pic>
     </p:spTree>
   </p:cSld>
   <p:clrMapOvr>
@@ -6098,6 +6962,163 @@
           <a:chExt cx="0" cy="0"/>
         </a:xfrm>
       </p:grpSpPr>
+      <p:sp>
+        <p:nvSpPr>
+          <p:cNvPr id="7" name="직사각형 6">
+            <a:extLst>
+              <a:ext uri="{FF2B5EF4-FFF2-40B4-BE49-F238E27FC236}">
+                <a16:creationId xmlns:a16="http://schemas.microsoft.com/office/drawing/2014/main" id="{4309121D-4D8B-C74D-9434-00981E59A325}"/>
+              </a:ext>
+            </a:extLst>
+          </p:cNvPr>
+          <p:cNvSpPr/>
+          <p:nvPr/>
+        </p:nvSpPr>
+        <p:spPr>
+          <a:xfrm>
+            <a:off x="0" y="6459730"/>
+            <a:ext cx="12191999" cy="420613"/>
+          </a:xfrm>
+          <a:prstGeom prst="rect">
+            <a:avLst/>
+          </a:prstGeom>
+          <a:gradFill>
+            <a:gsLst>
+              <a:gs pos="0">
+                <a:schemeClr val="accent1">
+                  <a:lumMod val="5000"/>
+                  <a:lumOff val="95000"/>
+                </a:schemeClr>
+              </a:gs>
+              <a:gs pos="74000">
+                <a:schemeClr val="accent1">
+                  <a:lumMod val="45000"/>
+                  <a:lumOff val="55000"/>
+                </a:schemeClr>
+              </a:gs>
+              <a:gs pos="83000">
+                <a:schemeClr val="accent1">
+                  <a:lumMod val="45000"/>
+                  <a:lumOff val="55000"/>
+                </a:schemeClr>
+              </a:gs>
+              <a:gs pos="100000">
+                <a:schemeClr val="accent1">
+                  <a:lumMod val="30000"/>
+                  <a:lumOff val="70000"/>
+                </a:schemeClr>
+              </a:gs>
+            </a:gsLst>
+            <a:lin ang="5400000" scaled="1"/>
+          </a:gradFill>
+          <a:ln>
+            <a:noFill/>
+          </a:ln>
+        </p:spPr>
+        <p:style>
+          <a:lnRef idx="2">
+            <a:schemeClr val="accent1">
+              <a:shade val="50000"/>
+            </a:schemeClr>
+          </a:lnRef>
+          <a:fillRef idx="1">
+            <a:schemeClr val="accent1"/>
+          </a:fillRef>
+          <a:effectRef idx="0">
+            <a:schemeClr val="accent1"/>
+          </a:effectRef>
+          <a:fontRef idx="minor">
+            <a:schemeClr val="lt1"/>
+          </a:fontRef>
+        </p:style>
+        <p:txBody>
+          <a:bodyPr rtlCol="0" anchor="ctr"/>
+          <a:lstStyle/>
+          <a:p>
+            <a:pPr algn="ctr"/>
+            <a:endParaRPr kumimoji="1" lang="ko-KR" altLang="en-US" dirty="0"/>
+          </a:p>
+        </p:txBody>
+      </p:sp>
+      <p:sp>
+        <p:nvSpPr>
+          <p:cNvPr id="6" name="직사각형 5">
+            <a:extLst>
+              <a:ext uri="{FF2B5EF4-FFF2-40B4-BE49-F238E27FC236}">
+                <a16:creationId xmlns:a16="http://schemas.microsoft.com/office/drawing/2014/main" id="{FF587B09-7D23-F04B-AB5D-5500BEB99080}"/>
+              </a:ext>
+            </a:extLst>
+          </p:cNvPr>
+          <p:cNvSpPr/>
+          <p:nvPr/>
+        </p:nvSpPr>
+        <p:spPr>
+          <a:xfrm>
+            <a:off x="0" y="-5689"/>
+            <a:ext cx="12191999" cy="2428503"/>
+          </a:xfrm>
+          <a:prstGeom prst="rect">
+            <a:avLst/>
+          </a:prstGeom>
+          <a:gradFill flip="none" rotWithShape="1">
+            <a:gsLst>
+              <a:gs pos="0">
+                <a:schemeClr val="accent1">
+                  <a:lumMod val="5000"/>
+                  <a:lumOff val="95000"/>
+                </a:schemeClr>
+              </a:gs>
+              <a:gs pos="74000">
+                <a:schemeClr val="accent1">
+                  <a:lumMod val="45000"/>
+                  <a:lumOff val="55000"/>
+                </a:schemeClr>
+              </a:gs>
+              <a:gs pos="83000">
+                <a:schemeClr val="accent1">
+                  <a:lumMod val="45000"/>
+                  <a:lumOff val="55000"/>
+                </a:schemeClr>
+              </a:gs>
+              <a:gs pos="100000">
+                <a:schemeClr val="accent1">
+                  <a:lumMod val="30000"/>
+                  <a:lumOff val="70000"/>
+                </a:schemeClr>
+              </a:gs>
+            </a:gsLst>
+            <a:lin ang="16200000" scaled="1"/>
+            <a:tileRect/>
+          </a:gradFill>
+          <a:ln>
+            <a:noFill/>
+          </a:ln>
+        </p:spPr>
+        <p:style>
+          <a:lnRef idx="2">
+            <a:schemeClr val="accent1">
+              <a:shade val="50000"/>
+            </a:schemeClr>
+          </a:lnRef>
+          <a:fillRef idx="1">
+            <a:schemeClr val="accent1"/>
+          </a:fillRef>
+          <a:effectRef idx="0">
+            <a:schemeClr val="accent1"/>
+          </a:effectRef>
+          <a:fontRef idx="minor">
+            <a:schemeClr val="lt1"/>
+          </a:fontRef>
+        </p:style>
+        <p:txBody>
+          <a:bodyPr rtlCol="0" anchor="ctr"/>
+          <a:lstStyle/>
+          <a:p>
+            <a:pPr algn="ctr"/>
+            <a:endParaRPr kumimoji="1" lang="ko-KR" altLang="en-US"/>
+          </a:p>
+        </p:txBody>
+      </p:sp>
       <p:sp>
         <p:nvSpPr>
           <p:cNvPr id="102" name="제목 1"/>
@@ -6612,7 +7633,7 @@
           </a:prstGeom>
           <a:extLst>
             <a:ext uri="{C572A759-6A51-4108-AA02-DFA0A04FC94B}">
-              <ma14:wrappingTextBoxFlag xmlns="" xmlns:m="http://schemas.openxmlformats.org/officeDocument/2006/math" xmlns:a14="http://schemas.microsoft.com/office/drawing/2010/main" xmlns:ma14="http://schemas.microsoft.com/office/mac/drawingml/2011/main" val="1"/>
+              <ma14:wrappingTextBoxFlag xmlns:ma14="http://schemas.microsoft.com/office/mac/drawingml/2011/main" xmlns:a14="http://schemas.microsoft.com/office/drawing/2010/main" xmlns:m="http://schemas.openxmlformats.org/officeDocument/2006/math" xmlns="" val="1"/>
             </a:ext>
           </a:extLst>
         </p:spPr>
@@ -6656,6 +7677,137 @@
           </a:p>
         </p:txBody>
       </p:sp>
+      <p:pic>
+        <p:nvPicPr>
+          <p:cNvPr id="8" name="그림 7">
+            <a:extLst>
+              <a:ext uri="{FF2B5EF4-FFF2-40B4-BE49-F238E27FC236}">
+                <a16:creationId xmlns:a16="http://schemas.microsoft.com/office/drawing/2014/main" id="{D7660FF2-5322-F34C-B689-1E20650278C5}"/>
+              </a:ext>
+            </a:extLst>
+          </p:cNvPr>
+          <p:cNvPicPr>
+            <a:picLocks noChangeAspect="1"/>
+          </p:cNvPicPr>
+          <p:nvPr/>
+        </p:nvPicPr>
+        <p:blipFill>
+          <a:blip r:embed="rId2">
+            <a:extLst>
+              <a:ext uri="{BEBA8EAE-BF5A-486C-A8C5-ECC9F3942E4B}">
+                <a14:imgProps xmlns:a14="http://schemas.microsoft.com/office/drawing/2010/main">
+                  <a14:imgLayer>
+                    <a14:imgEffect>
+                      <a14:backgroundRemoval t="0" b="100000" l="0" r="100000">
+                        <a14:foregroundMark x1="5000" y1="58889" x2="11444" y2="75111"/>
+                        <a14:foregroundMark x1="9000" y1="71333" x2="36333" y2="93222"/>
+                        <a14:foregroundMark x1="29889" y1="91556" x2="65889" y2="95000"/>
+                        <a14:foregroundMark x1="58222" y1="95667" x2="89222" y2="73778"/>
+                        <a14:foregroundMark x1="82444" y1="79778" x2="94889" y2="55556"/>
+                        <a14:foregroundMark x1="93889" y1="46444" x2="87111" y2="23222"/>
+                        <a14:foregroundMark x1="88778" y1="30000" x2="72000" y2="11444"/>
+                        <a14:foregroundMark x1="74333" y1="14111" x2="49444" y2="4667"/>
+                        <a14:foregroundMark x1="54778" y1="5000" x2="26222" y2="9111"/>
+                        <a14:foregroundMark x1="35000" y1="7778" x2="8667" y2="24556"/>
+                        <a14:foregroundMark x1="17444" y1="18889" x2="3000" y2="45111"/>
+                      </a14:backgroundRemoval>
+                    </a14:imgEffect>
+                  </a14:imgLayer>
+                </a14:imgProps>
+              </a:ext>
+            </a:extLst>
+          </a:blip>
+          <a:stretch>
+            <a:fillRect/>
+          </a:stretch>
+        </p:blipFill>
+        <p:spPr>
+          <a:xfrm>
+            <a:off x="132250" y="6473804"/>
+            <a:ext cx="386305" cy="386305"/>
+          </a:xfrm>
+          <a:prstGeom prst="rect">
+            <a:avLst/>
+          </a:prstGeom>
+        </p:spPr>
+      </p:pic>
+      <p:pic>
+        <p:nvPicPr>
+          <p:cNvPr id="9" name="그림 8">
+            <a:extLst>
+              <a:ext uri="{FF2B5EF4-FFF2-40B4-BE49-F238E27FC236}">
+                <a16:creationId xmlns:a16="http://schemas.microsoft.com/office/drawing/2014/main" id="{166F3463-C134-C049-ADC1-AE99E6533850}"/>
+              </a:ext>
+            </a:extLst>
+          </p:cNvPr>
+          <p:cNvPicPr>
+            <a:picLocks noChangeAspect="1"/>
+          </p:cNvPicPr>
+          <p:nvPr/>
+        </p:nvPicPr>
+        <p:blipFill rotWithShape="1">
+          <a:blip r:embed="rId3">
+            <a:extLst>
+              <a:ext uri="{BEBA8EAE-BF5A-486C-A8C5-ECC9F3942E4B}">
+                <a14:imgProps xmlns:a14="http://schemas.microsoft.com/office/drawing/2010/main">
+                  <a14:imgLayer>
+                    <a14:imgEffect>
+                      <a14:backgroundRemoval t="10000" b="90000" l="32959" r="98315">
+                        <a14:foregroundMark x1="36704" y1="28667" x2="36704" y2="28667"/>
+                        <a14:foregroundMark x1="33146" y1="39333" x2="33146" y2="39333"/>
+                        <a14:foregroundMark x1="36142" y1="52667" x2="36142" y2="52667"/>
+                        <a14:foregroundMark x1="43071" y1="31333" x2="43071" y2="31333"/>
+                        <a14:foregroundMark x1="49438" y1="23333" x2="49438" y2="23333"/>
+                        <a14:foregroundMark x1="53184" y1="40667" x2="53184" y2="40667"/>
+                        <a14:foregroundMark x1="49813" y1="51333" x2="49813" y2="51333"/>
+                        <a14:foregroundMark x1="76779" y1="24667" x2="76779" y2="24667"/>
+                        <a14:foregroundMark x1="85955" y1="27333" x2="85955" y2="27333"/>
+                        <a14:foregroundMark x1="85206" y1="50667" x2="85206" y2="50667"/>
+                        <a14:foregroundMark x1="91011" y1="44667" x2="91011" y2="44667"/>
+                        <a14:foregroundMark x1="97566" y1="35333" x2="97566" y2="35333"/>
+                        <a14:foregroundMark x1="35955" y1="77333" x2="35955" y2="77333"/>
+                        <a14:foregroundMark x1="41386" y1="77333" x2="41386" y2="77333"/>
+                        <a14:foregroundMark x1="42697" y1="76667" x2="42697" y2="76667"/>
+                        <a14:foregroundMark x1="48502" y1="75333" x2="48502" y2="75333"/>
+                        <a14:foregroundMark x1="53184" y1="76667" x2="53184" y2="76667"/>
+                        <a14:foregroundMark x1="57678" y1="75333" x2="57678" y2="75333"/>
+                        <a14:foregroundMark x1="61985" y1="76000" x2="61985" y2="76000"/>
+                        <a14:foregroundMark x1="67416" y1="75333" x2="67416" y2="75333"/>
+                        <a14:foregroundMark x1="69850" y1="74667" x2="69850" y2="74667"/>
+                        <a14:foregroundMark x1="71161" y1="74667" x2="71161" y2="74667"/>
+                        <a14:foregroundMark x1="75468" y1="76000" x2="75468" y2="76000"/>
+                        <a14:foregroundMark x1="77154" y1="75333" x2="77154" y2="75333"/>
+                        <a14:foregroundMark x1="79401" y1="77333" x2="79401" y2="77333"/>
+                        <a14:foregroundMark x1="81086" y1="76000" x2="81086" y2="76000"/>
+                        <a14:foregroundMark x1="82397" y1="74000" x2="82397" y2="74000"/>
+                        <a14:foregroundMark x1="85768" y1="74667" x2="85768" y2="74667"/>
+                        <a14:foregroundMark x1="87828" y1="75333" x2="87828" y2="75333"/>
+                        <a14:foregroundMark x1="91011" y1="76000" x2="91011" y2="76000"/>
+                        <a14:foregroundMark x1="93633" y1="76000" x2="93633" y2="76000"/>
+                        <a14:foregroundMark x1="96442" y1="75333" x2="96442" y2="75333"/>
+                        <a14:foregroundMark x1="93071" y1="74000" x2="93071" y2="74000"/>
+                        <a14:foregroundMark x1="94757" y1="74000" x2="94757" y2="74000"/>
+                        <a14:foregroundMark x1="98315" y1="75333" x2="98315" y2="75333"/>
+                      </a14:backgroundRemoval>
+                    </a14:imgEffect>
+                  </a14:imgLayer>
+                </a14:imgProps>
+              </a:ext>
+            </a:extLst>
+          </a:blip>
+          <a:srcRect l="32072"/>
+          <a:stretch/>
+        </p:blipFill>
+        <p:spPr>
+          <a:xfrm>
+            <a:off x="518555" y="6456665"/>
+            <a:ext cx="1003220" cy="415375"/>
+          </a:xfrm>
+          <a:prstGeom prst="rect">
+            <a:avLst/>
+          </a:prstGeom>
+        </p:spPr>
+      </p:pic>
     </p:spTree>
   </p:cSld>
   <p:clrMapOvr>
@@ -6681,6 +7833,163 @@
           <a:chExt cx="0" cy="0"/>
         </a:xfrm>
       </p:grpSpPr>
+      <p:sp>
+        <p:nvSpPr>
+          <p:cNvPr id="13" name="직사각형 12">
+            <a:extLst>
+              <a:ext uri="{FF2B5EF4-FFF2-40B4-BE49-F238E27FC236}">
+                <a16:creationId xmlns:a16="http://schemas.microsoft.com/office/drawing/2014/main" id="{C0636C6E-CCD5-C247-8AED-4B2528DDD460}"/>
+              </a:ext>
+            </a:extLst>
+          </p:cNvPr>
+          <p:cNvSpPr/>
+          <p:nvPr/>
+        </p:nvSpPr>
+        <p:spPr>
+          <a:xfrm>
+            <a:off x="0" y="6459730"/>
+            <a:ext cx="12191999" cy="420613"/>
+          </a:xfrm>
+          <a:prstGeom prst="rect">
+            <a:avLst/>
+          </a:prstGeom>
+          <a:gradFill>
+            <a:gsLst>
+              <a:gs pos="0">
+                <a:schemeClr val="accent1">
+                  <a:lumMod val="5000"/>
+                  <a:lumOff val="95000"/>
+                </a:schemeClr>
+              </a:gs>
+              <a:gs pos="74000">
+                <a:schemeClr val="accent1">
+                  <a:lumMod val="45000"/>
+                  <a:lumOff val="55000"/>
+                </a:schemeClr>
+              </a:gs>
+              <a:gs pos="83000">
+                <a:schemeClr val="accent1">
+                  <a:lumMod val="45000"/>
+                  <a:lumOff val="55000"/>
+                </a:schemeClr>
+              </a:gs>
+              <a:gs pos="100000">
+                <a:schemeClr val="accent1">
+                  <a:lumMod val="30000"/>
+                  <a:lumOff val="70000"/>
+                </a:schemeClr>
+              </a:gs>
+            </a:gsLst>
+            <a:lin ang="5400000" scaled="1"/>
+          </a:gradFill>
+          <a:ln>
+            <a:noFill/>
+          </a:ln>
+        </p:spPr>
+        <p:style>
+          <a:lnRef idx="2">
+            <a:schemeClr val="accent1">
+              <a:shade val="50000"/>
+            </a:schemeClr>
+          </a:lnRef>
+          <a:fillRef idx="1">
+            <a:schemeClr val="accent1"/>
+          </a:fillRef>
+          <a:effectRef idx="0">
+            <a:schemeClr val="accent1"/>
+          </a:effectRef>
+          <a:fontRef idx="minor">
+            <a:schemeClr val="lt1"/>
+          </a:fontRef>
+        </p:style>
+        <p:txBody>
+          <a:bodyPr rtlCol="0" anchor="ctr"/>
+          <a:lstStyle/>
+          <a:p>
+            <a:pPr algn="ctr"/>
+            <a:endParaRPr kumimoji="1" lang="ko-KR" altLang="en-US" dirty="0"/>
+          </a:p>
+        </p:txBody>
+      </p:sp>
+      <p:sp>
+        <p:nvSpPr>
+          <p:cNvPr id="12" name="직사각형 11">
+            <a:extLst>
+              <a:ext uri="{FF2B5EF4-FFF2-40B4-BE49-F238E27FC236}">
+                <a16:creationId xmlns:a16="http://schemas.microsoft.com/office/drawing/2014/main" id="{986D9479-85BC-1542-AC16-267FC858136D}"/>
+              </a:ext>
+            </a:extLst>
+          </p:cNvPr>
+          <p:cNvSpPr/>
+          <p:nvPr/>
+        </p:nvSpPr>
+        <p:spPr>
+          <a:xfrm>
+            <a:off x="0" y="-5689"/>
+            <a:ext cx="12191999" cy="2428503"/>
+          </a:xfrm>
+          <a:prstGeom prst="rect">
+            <a:avLst/>
+          </a:prstGeom>
+          <a:gradFill flip="none" rotWithShape="1">
+            <a:gsLst>
+              <a:gs pos="0">
+                <a:schemeClr val="accent1">
+                  <a:lumMod val="5000"/>
+                  <a:lumOff val="95000"/>
+                </a:schemeClr>
+              </a:gs>
+              <a:gs pos="74000">
+                <a:schemeClr val="accent1">
+                  <a:lumMod val="45000"/>
+                  <a:lumOff val="55000"/>
+                </a:schemeClr>
+              </a:gs>
+              <a:gs pos="83000">
+                <a:schemeClr val="accent1">
+                  <a:lumMod val="45000"/>
+                  <a:lumOff val="55000"/>
+                </a:schemeClr>
+              </a:gs>
+              <a:gs pos="100000">
+                <a:schemeClr val="accent1">
+                  <a:lumMod val="30000"/>
+                  <a:lumOff val="70000"/>
+                </a:schemeClr>
+              </a:gs>
+            </a:gsLst>
+            <a:lin ang="16200000" scaled="1"/>
+            <a:tileRect/>
+          </a:gradFill>
+          <a:ln>
+            <a:noFill/>
+          </a:ln>
+        </p:spPr>
+        <p:style>
+          <a:lnRef idx="2">
+            <a:schemeClr val="accent1">
+              <a:shade val="50000"/>
+            </a:schemeClr>
+          </a:lnRef>
+          <a:fillRef idx="1">
+            <a:schemeClr val="accent1"/>
+          </a:fillRef>
+          <a:effectRef idx="0">
+            <a:schemeClr val="accent1"/>
+          </a:effectRef>
+          <a:fontRef idx="minor">
+            <a:schemeClr val="lt1"/>
+          </a:fontRef>
+        </p:style>
+        <p:txBody>
+          <a:bodyPr rtlCol="0" anchor="ctr"/>
+          <a:lstStyle/>
+          <a:p>
+            <a:pPr algn="ctr"/>
+            <a:endParaRPr kumimoji="1" lang="ko-KR" altLang="en-US"/>
+          </a:p>
+        </p:txBody>
+      </p:sp>
       <p:sp>
         <p:nvSpPr>
           <p:cNvPr id="11" name="직선 연결선 4">
@@ -6774,7 +8083,7 @@
           </a:prstGeom>
           <a:extLst>
             <a:ext uri="{C572A759-6A51-4108-AA02-DFA0A04FC94B}">
-              <ma14:wrappingTextBoxFlag xmlns="" xmlns:m="http://schemas.openxmlformats.org/officeDocument/2006/math" xmlns:a14="http://schemas.microsoft.com/office/drawing/2010/main" xmlns:ma14="http://schemas.microsoft.com/office/mac/drawingml/2011/main" val="1"/>
+              <ma14:wrappingTextBoxFlag xmlns:ma14="http://schemas.microsoft.com/office/mac/drawingml/2011/main" xmlns:a14="http://schemas.microsoft.com/office/drawing/2010/main" xmlns:m="http://schemas.openxmlformats.org/officeDocument/2006/math" xmlns="" val="1"/>
             </a:ext>
           </a:extLst>
         </p:spPr>
@@ -6808,7 +8117,7 @@
           </a:ln>
           <a:extLst>
             <a:ext uri="{C572A759-6A51-4108-AA02-DFA0A04FC94B}">
-              <ma14:wrappingTextBoxFlag xmlns="" xmlns:m="http://schemas.openxmlformats.org/officeDocument/2006/math" xmlns:a14="http://schemas.microsoft.com/office/drawing/2010/main" xmlns:ma14="http://schemas.microsoft.com/office/mac/drawingml/2011/main" val="1"/>
+              <ma14:wrappingTextBoxFlag xmlns:ma14="http://schemas.microsoft.com/office/mac/drawingml/2011/main" xmlns:a14="http://schemas.microsoft.com/office/drawing/2010/main" xmlns:m="http://schemas.openxmlformats.org/officeDocument/2006/math" xmlns="" val="1"/>
             </a:ext>
           </a:extLst>
         </p:spPr>
@@ -6945,7 +8254,7 @@
           </a:ln>
           <a:extLst>
             <a:ext uri="{C572A759-6A51-4108-AA02-DFA0A04FC94B}">
-              <ma14:wrappingTextBoxFlag xmlns="" xmlns:m="http://schemas.openxmlformats.org/officeDocument/2006/math" xmlns:a14="http://schemas.microsoft.com/office/drawing/2010/main" xmlns:ma14="http://schemas.microsoft.com/office/mac/drawingml/2011/main" val="1"/>
+              <ma14:wrappingTextBoxFlag xmlns:ma14="http://schemas.microsoft.com/office/mac/drawingml/2011/main" xmlns:a14="http://schemas.microsoft.com/office/drawing/2010/main" xmlns:m="http://schemas.openxmlformats.org/officeDocument/2006/math" xmlns="" val="1"/>
             </a:ext>
           </a:extLst>
         </p:spPr>
@@ -6964,14 +8273,50 @@
               </a:defRPr>
             </a:pPr>
             <a:r>
-              <a:t>2. 연일 폭염에 사망자 발생!!</a:t>
-            </a:r>
-            <a:br/>
-            <a:r>
+              <a:rPr dirty="0"/>
+              <a:t>2. </a:t>
+            </a:r>
+            <a:r>
+              <a:rPr dirty="0" err="1"/>
+              <a:t>연일</a:t>
+            </a:r>
+            <a:r>
+              <a:rPr dirty="0"/>
+              <a:t> </a:t>
+            </a:r>
+            <a:r>
+              <a:rPr dirty="0" err="1"/>
+              <a:t>폭염에</a:t>
+            </a:r>
+            <a:r>
+              <a:rPr dirty="0"/>
+              <a:t> </a:t>
+            </a:r>
+            <a:r>
+              <a:rPr dirty="0" err="1"/>
+              <a:t>사망자</a:t>
+            </a:r>
+            <a:r>
+              <a:rPr dirty="0"/>
+              <a:t> </a:t>
+            </a:r>
+            <a:r>
+              <a:rPr dirty="0" err="1"/>
+              <a:t>발생</a:t>
+            </a:r>
+            <a:r>
+              <a:rPr dirty="0"/>
+              <a:t>!!</a:t>
+            </a:r>
+            <a:br>
+              <a:rPr dirty="0"/>
+            </a:br>
+            <a:r>
+              <a:rPr dirty="0"/>
               <a:t>(</a:t>
             </a:r>
             <a:r>
-              <a:rPr u="sng">
+              <a:rPr u="sng" dirty="0">
                 <a:solidFill>
                   <a:srgbClr val="0563C1"/>
                 </a:solidFill>
@@ -6985,6 +8330,7 @@
               <a:t>https://www.yna.co.kr/view/AKR20180717040500017?input=1195m</a:t>
             </a:r>
             <a:r>
+              <a:rPr dirty="0"/>
               <a:t>)</a:t>
             </a:r>
           </a:p>
@@ -7038,7 +8384,7 @@
           </a:ln>
           <a:extLst>
             <a:ext uri="{C572A759-6A51-4108-AA02-DFA0A04FC94B}">
-              <ma14:wrappingTextBoxFlag xmlns="" xmlns:m="http://schemas.openxmlformats.org/officeDocument/2006/math" xmlns:a14="http://schemas.microsoft.com/office/drawing/2010/main" xmlns:ma14="http://schemas.microsoft.com/office/mac/drawingml/2011/main" val="1"/>
+              <ma14:wrappingTextBoxFlag xmlns:ma14="http://schemas.microsoft.com/office/mac/drawingml/2011/main" xmlns:a14="http://schemas.microsoft.com/office/drawing/2010/main" xmlns:m="http://schemas.openxmlformats.org/officeDocument/2006/math" xmlns="" val="1"/>
             </a:ext>
           </a:extLst>
         </p:spPr>
@@ -7122,7 +8468,7 @@
         </p:blipFill>
         <p:spPr>
           <a:xfrm>
-            <a:off x="6703259" y="1848244"/>
+            <a:off x="6497088" y="1907174"/>
             <a:ext cx="3324690" cy="4610744"/>
           </a:xfrm>
           <a:prstGeom prst="rect">
@@ -7131,6 +8477,137 @@
           <a:ln w="12700">
             <a:miter lim="400000"/>
           </a:ln>
+        </p:spPr>
+      </p:pic>
+      <p:pic>
+        <p:nvPicPr>
+          <p:cNvPr id="14" name="그림 13">
+            <a:extLst>
+              <a:ext uri="{FF2B5EF4-FFF2-40B4-BE49-F238E27FC236}">
+                <a16:creationId xmlns:a16="http://schemas.microsoft.com/office/drawing/2014/main" id="{EA84823E-C3DB-0C4A-A3AC-1FFE00A6D7B8}"/>
+              </a:ext>
+            </a:extLst>
+          </p:cNvPr>
+          <p:cNvPicPr>
+            <a:picLocks noChangeAspect="1"/>
+          </p:cNvPicPr>
+          <p:nvPr/>
+        </p:nvPicPr>
+        <p:blipFill>
+          <a:blip r:embed="rId8">
+            <a:extLst>
+              <a:ext uri="{BEBA8EAE-BF5A-486C-A8C5-ECC9F3942E4B}">
+                <a14:imgProps xmlns:a14="http://schemas.microsoft.com/office/drawing/2010/main">
+                  <a14:imgLayer>
+                    <a14:imgEffect>
+                      <a14:backgroundRemoval t="0" b="100000" l="0" r="100000">
+                        <a14:foregroundMark x1="5000" y1="58889" x2="11444" y2="75111"/>
+                        <a14:foregroundMark x1="9000" y1="71333" x2="36333" y2="93222"/>
+                        <a14:foregroundMark x1="29889" y1="91556" x2="65889" y2="95000"/>
+                        <a14:foregroundMark x1="58222" y1="95667" x2="89222" y2="73778"/>
+                        <a14:foregroundMark x1="82444" y1="79778" x2="94889" y2="55556"/>
+                        <a14:foregroundMark x1="93889" y1="46444" x2="87111" y2="23222"/>
+                        <a14:foregroundMark x1="88778" y1="30000" x2="72000" y2="11444"/>
+                        <a14:foregroundMark x1="74333" y1="14111" x2="49444" y2="4667"/>
+                        <a14:foregroundMark x1="54778" y1="5000" x2="26222" y2="9111"/>
+                        <a14:foregroundMark x1="35000" y1="7778" x2="8667" y2="24556"/>
+                        <a14:foregroundMark x1="17444" y1="18889" x2="3000" y2="45111"/>
+                      </a14:backgroundRemoval>
+                    </a14:imgEffect>
+                  </a14:imgLayer>
+                </a14:imgProps>
+              </a:ext>
+            </a:extLst>
+          </a:blip>
+          <a:stretch>
+            <a:fillRect/>
+          </a:stretch>
+        </p:blipFill>
+        <p:spPr>
+          <a:xfrm>
+            <a:off x="132250" y="6473804"/>
+            <a:ext cx="386305" cy="386305"/>
+          </a:xfrm>
+          <a:prstGeom prst="rect">
+            <a:avLst/>
+          </a:prstGeom>
+        </p:spPr>
+      </p:pic>
+      <p:pic>
+        <p:nvPicPr>
+          <p:cNvPr id="15" name="그림 14">
+            <a:extLst>
+              <a:ext uri="{FF2B5EF4-FFF2-40B4-BE49-F238E27FC236}">
+                <a16:creationId xmlns:a16="http://schemas.microsoft.com/office/drawing/2014/main" id="{819ED6B6-EB5E-DF4C-855A-BA3FFB3EAF59}"/>
+              </a:ext>
+            </a:extLst>
+          </p:cNvPr>
+          <p:cNvPicPr>
+            <a:picLocks noChangeAspect="1"/>
+          </p:cNvPicPr>
+          <p:nvPr/>
+        </p:nvPicPr>
+        <p:blipFill rotWithShape="1">
+          <a:blip r:embed="rId9">
+            <a:extLst>
+              <a:ext uri="{BEBA8EAE-BF5A-486C-A8C5-ECC9F3942E4B}">
+                <a14:imgProps xmlns:a14="http://schemas.microsoft.com/office/drawing/2010/main">
+                  <a14:imgLayer>
+                    <a14:imgEffect>
+                      <a14:backgroundRemoval t="10000" b="90000" l="32959" r="98315">
+                        <a14:foregroundMark x1="36704" y1="28667" x2="36704" y2="28667"/>
+                        <a14:foregroundMark x1="33146" y1="39333" x2="33146" y2="39333"/>
+                        <a14:foregroundMark x1="36142" y1="52667" x2="36142" y2="52667"/>
+                        <a14:foregroundMark x1="43071" y1="31333" x2="43071" y2="31333"/>
+                        <a14:foregroundMark x1="49438" y1="23333" x2="49438" y2="23333"/>
+                        <a14:foregroundMark x1="53184" y1="40667" x2="53184" y2="40667"/>
+                        <a14:foregroundMark x1="49813" y1="51333" x2="49813" y2="51333"/>
+                        <a14:foregroundMark x1="76779" y1="24667" x2="76779" y2="24667"/>
+                        <a14:foregroundMark x1="85955" y1="27333" x2="85955" y2="27333"/>
+                        <a14:foregroundMark x1="85206" y1="50667" x2="85206" y2="50667"/>
+                        <a14:foregroundMark x1="91011" y1="44667" x2="91011" y2="44667"/>
+                        <a14:foregroundMark x1="97566" y1="35333" x2="97566" y2="35333"/>
+                        <a14:foregroundMark x1="35955" y1="77333" x2="35955" y2="77333"/>
+                        <a14:foregroundMark x1="41386" y1="77333" x2="41386" y2="77333"/>
+                        <a14:foregroundMark x1="42697" y1="76667" x2="42697" y2="76667"/>
+                        <a14:foregroundMark x1="48502" y1="75333" x2="48502" y2="75333"/>
+                        <a14:foregroundMark x1="53184" y1="76667" x2="53184" y2="76667"/>
+                        <a14:foregroundMark x1="57678" y1="75333" x2="57678" y2="75333"/>
+                        <a14:foregroundMark x1="61985" y1="76000" x2="61985" y2="76000"/>
+                        <a14:foregroundMark x1="67416" y1="75333" x2="67416" y2="75333"/>
+                        <a14:foregroundMark x1="69850" y1="74667" x2="69850" y2="74667"/>
+                        <a14:foregroundMark x1="71161" y1="74667" x2="71161" y2="74667"/>
+                        <a14:foregroundMark x1="75468" y1="76000" x2="75468" y2="76000"/>
+                        <a14:foregroundMark x1="77154" y1="75333" x2="77154" y2="75333"/>
+                        <a14:foregroundMark x1="79401" y1="77333" x2="79401" y2="77333"/>
+                        <a14:foregroundMark x1="81086" y1="76000" x2="81086" y2="76000"/>
+                        <a14:foregroundMark x1="82397" y1="74000" x2="82397" y2="74000"/>
+                        <a14:foregroundMark x1="85768" y1="74667" x2="85768" y2="74667"/>
+                        <a14:foregroundMark x1="87828" y1="75333" x2="87828" y2="75333"/>
+                        <a14:foregroundMark x1="91011" y1="76000" x2="91011" y2="76000"/>
+                        <a14:foregroundMark x1="93633" y1="76000" x2="93633" y2="76000"/>
+                        <a14:foregroundMark x1="96442" y1="75333" x2="96442" y2="75333"/>
+                        <a14:foregroundMark x1="93071" y1="74000" x2="93071" y2="74000"/>
+                        <a14:foregroundMark x1="94757" y1="74000" x2="94757" y2="74000"/>
+                        <a14:foregroundMark x1="98315" y1="75333" x2="98315" y2="75333"/>
+                      </a14:backgroundRemoval>
+                    </a14:imgEffect>
+                  </a14:imgLayer>
+                </a14:imgProps>
+              </a:ext>
+            </a:extLst>
+          </a:blip>
+          <a:srcRect l="32072"/>
+          <a:stretch/>
+        </p:blipFill>
+        <p:spPr>
+          <a:xfrm>
+            <a:off x="518555" y="6456665"/>
+            <a:ext cx="1003220" cy="415375"/>
+          </a:xfrm>
+          <a:prstGeom prst="rect">
+            <a:avLst/>
+          </a:prstGeom>
         </p:spPr>
       </p:pic>
     </p:spTree>
@@ -7760,6 +9237,163 @@
       </p:grpSpPr>
       <p:sp>
         <p:nvSpPr>
+          <p:cNvPr id="10" name="직사각형 9">
+            <a:extLst>
+              <a:ext uri="{FF2B5EF4-FFF2-40B4-BE49-F238E27FC236}">
+                <a16:creationId xmlns:a16="http://schemas.microsoft.com/office/drawing/2014/main" id="{9650A127-FA13-C84A-8AE7-D164B42EB0B9}"/>
+              </a:ext>
+            </a:extLst>
+          </p:cNvPr>
+          <p:cNvSpPr/>
+          <p:nvPr/>
+        </p:nvSpPr>
+        <p:spPr>
+          <a:xfrm>
+            <a:off x="0" y="6459730"/>
+            <a:ext cx="12191999" cy="420613"/>
+          </a:xfrm>
+          <a:prstGeom prst="rect">
+            <a:avLst/>
+          </a:prstGeom>
+          <a:gradFill>
+            <a:gsLst>
+              <a:gs pos="0">
+                <a:schemeClr val="accent1">
+                  <a:lumMod val="5000"/>
+                  <a:lumOff val="95000"/>
+                </a:schemeClr>
+              </a:gs>
+              <a:gs pos="74000">
+                <a:schemeClr val="accent1">
+                  <a:lumMod val="45000"/>
+                  <a:lumOff val="55000"/>
+                </a:schemeClr>
+              </a:gs>
+              <a:gs pos="83000">
+                <a:schemeClr val="accent1">
+                  <a:lumMod val="45000"/>
+                  <a:lumOff val="55000"/>
+                </a:schemeClr>
+              </a:gs>
+              <a:gs pos="100000">
+                <a:schemeClr val="accent1">
+                  <a:lumMod val="30000"/>
+                  <a:lumOff val="70000"/>
+                </a:schemeClr>
+              </a:gs>
+            </a:gsLst>
+            <a:lin ang="5400000" scaled="1"/>
+          </a:gradFill>
+          <a:ln>
+            <a:noFill/>
+          </a:ln>
+        </p:spPr>
+        <p:style>
+          <a:lnRef idx="2">
+            <a:schemeClr val="accent1">
+              <a:shade val="50000"/>
+            </a:schemeClr>
+          </a:lnRef>
+          <a:fillRef idx="1">
+            <a:schemeClr val="accent1"/>
+          </a:fillRef>
+          <a:effectRef idx="0">
+            <a:schemeClr val="accent1"/>
+          </a:effectRef>
+          <a:fontRef idx="minor">
+            <a:schemeClr val="lt1"/>
+          </a:fontRef>
+        </p:style>
+        <p:txBody>
+          <a:bodyPr rtlCol="0" anchor="ctr"/>
+          <a:lstStyle/>
+          <a:p>
+            <a:pPr algn="ctr"/>
+            <a:endParaRPr kumimoji="1" lang="ko-KR" altLang="en-US" dirty="0"/>
+          </a:p>
+        </p:txBody>
+      </p:sp>
+      <p:sp>
+        <p:nvSpPr>
+          <p:cNvPr id="9" name="직사각형 8">
+            <a:extLst>
+              <a:ext uri="{FF2B5EF4-FFF2-40B4-BE49-F238E27FC236}">
+                <a16:creationId xmlns:a16="http://schemas.microsoft.com/office/drawing/2014/main" id="{AD35DBB0-842F-034F-AB55-4D34CC269BF6}"/>
+              </a:ext>
+            </a:extLst>
+          </p:cNvPr>
+          <p:cNvSpPr/>
+          <p:nvPr/>
+        </p:nvSpPr>
+        <p:spPr>
+          <a:xfrm>
+            <a:off x="0" y="-5689"/>
+            <a:ext cx="12191999" cy="2428503"/>
+          </a:xfrm>
+          <a:prstGeom prst="rect">
+            <a:avLst/>
+          </a:prstGeom>
+          <a:gradFill flip="none" rotWithShape="1">
+            <a:gsLst>
+              <a:gs pos="0">
+                <a:schemeClr val="accent1">
+                  <a:lumMod val="5000"/>
+                  <a:lumOff val="95000"/>
+                </a:schemeClr>
+              </a:gs>
+              <a:gs pos="74000">
+                <a:schemeClr val="accent1">
+                  <a:lumMod val="45000"/>
+                  <a:lumOff val="55000"/>
+                </a:schemeClr>
+              </a:gs>
+              <a:gs pos="83000">
+                <a:schemeClr val="accent1">
+                  <a:lumMod val="45000"/>
+                  <a:lumOff val="55000"/>
+                </a:schemeClr>
+              </a:gs>
+              <a:gs pos="100000">
+                <a:schemeClr val="accent1">
+                  <a:lumMod val="30000"/>
+                  <a:lumOff val="70000"/>
+                </a:schemeClr>
+              </a:gs>
+            </a:gsLst>
+            <a:lin ang="16200000" scaled="1"/>
+            <a:tileRect/>
+          </a:gradFill>
+          <a:ln>
+            <a:noFill/>
+          </a:ln>
+        </p:spPr>
+        <p:style>
+          <a:lnRef idx="2">
+            <a:schemeClr val="accent1">
+              <a:shade val="50000"/>
+            </a:schemeClr>
+          </a:lnRef>
+          <a:fillRef idx="1">
+            <a:schemeClr val="accent1"/>
+          </a:fillRef>
+          <a:effectRef idx="0">
+            <a:schemeClr val="accent1"/>
+          </a:effectRef>
+          <a:fontRef idx="minor">
+            <a:schemeClr val="lt1"/>
+          </a:fontRef>
+        </p:style>
+        <p:txBody>
+          <a:bodyPr rtlCol="0" anchor="ctr"/>
+          <a:lstStyle/>
+          <a:p>
+            <a:pPr algn="ctr"/>
+            <a:endParaRPr kumimoji="1" lang="ko-KR" altLang="en-US"/>
+          </a:p>
+        </p:txBody>
+      </p:sp>
+      <p:sp>
+        <p:nvSpPr>
           <p:cNvPr id="7" name="직선 연결선 4">
             <a:extLst>
               <a:ext uri="{FF2B5EF4-FFF2-40B4-BE49-F238E27FC236}">
@@ -7892,7 +9526,7 @@
           </a:prstGeom>
           <a:extLst>
             <a:ext uri="{C572A759-6A51-4108-AA02-DFA0A04FC94B}">
-              <ma14:wrappingTextBoxFlag xmlns="" xmlns:m="http://schemas.openxmlformats.org/officeDocument/2006/math" xmlns:a14="http://schemas.microsoft.com/office/drawing/2010/main" xmlns:ma14="http://schemas.microsoft.com/office/mac/drawingml/2011/main" val="1"/>
+              <ma14:wrappingTextBoxFlag xmlns:ma14="http://schemas.microsoft.com/office/mac/drawingml/2011/main" xmlns:a14="http://schemas.microsoft.com/office/drawing/2010/main" xmlns:m="http://schemas.openxmlformats.org/officeDocument/2006/math" xmlns="" val="1"/>
             </a:ext>
           </a:extLst>
         </p:spPr>
@@ -7926,7 +9560,7 @@
           </a:ln>
           <a:extLst>
             <a:ext uri="{C572A759-6A51-4108-AA02-DFA0A04FC94B}">
-              <ma14:wrappingTextBoxFlag xmlns="" xmlns:m="http://schemas.openxmlformats.org/officeDocument/2006/math" xmlns:a14="http://schemas.microsoft.com/office/drawing/2010/main" xmlns:ma14="http://schemas.microsoft.com/office/mac/drawingml/2011/main" val="1"/>
+              <ma14:wrappingTextBoxFlag xmlns:ma14="http://schemas.microsoft.com/office/mac/drawingml/2011/main" xmlns:a14="http://schemas.microsoft.com/office/drawing/2010/main" xmlns:m="http://schemas.openxmlformats.org/officeDocument/2006/math" xmlns="" val="1"/>
             </a:ext>
           </a:extLst>
         </p:spPr>
@@ -8006,7 +9640,7 @@
           </a:ln>
           <a:extLst>
             <a:ext uri="{C572A759-6A51-4108-AA02-DFA0A04FC94B}">
-              <ma14:wrappingTextBoxFlag xmlns="" xmlns:m="http://schemas.openxmlformats.org/officeDocument/2006/math" xmlns:a14="http://schemas.microsoft.com/office/drawing/2010/main" xmlns:ma14="http://schemas.microsoft.com/office/mac/drawingml/2011/main" val="1"/>
+              <ma14:wrappingTextBoxFlag xmlns:ma14="http://schemas.microsoft.com/office/mac/drawingml/2011/main" xmlns:a14="http://schemas.microsoft.com/office/drawing/2010/main" xmlns:m="http://schemas.openxmlformats.org/officeDocument/2006/math" xmlns="" val="1"/>
             </a:ext>
           </a:extLst>
         </p:spPr>
@@ -8426,6 +10060,137 @@
           </a:fontRef>
         </p:style>
       </p:cxnSp>
+      <p:pic>
+        <p:nvPicPr>
+          <p:cNvPr id="11" name="그림 10">
+            <a:extLst>
+              <a:ext uri="{FF2B5EF4-FFF2-40B4-BE49-F238E27FC236}">
+                <a16:creationId xmlns:a16="http://schemas.microsoft.com/office/drawing/2014/main" id="{87DAB0D6-5009-5042-807C-4966389728DE}"/>
+              </a:ext>
+            </a:extLst>
+          </p:cNvPr>
+          <p:cNvPicPr>
+            <a:picLocks noChangeAspect="1"/>
+          </p:cNvPicPr>
+          <p:nvPr/>
+        </p:nvPicPr>
+        <p:blipFill>
+          <a:blip r:embed="rId2">
+            <a:extLst>
+              <a:ext uri="{BEBA8EAE-BF5A-486C-A8C5-ECC9F3942E4B}">
+                <a14:imgProps xmlns:a14="http://schemas.microsoft.com/office/drawing/2010/main">
+                  <a14:imgLayer>
+                    <a14:imgEffect>
+                      <a14:backgroundRemoval t="0" b="100000" l="0" r="100000">
+                        <a14:foregroundMark x1="5000" y1="58889" x2="11444" y2="75111"/>
+                        <a14:foregroundMark x1="9000" y1="71333" x2="36333" y2="93222"/>
+                        <a14:foregroundMark x1="29889" y1="91556" x2="65889" y2="95000"/>
+                        <a14:foregroundMark x1="58222" y1="95667" x2="89222" y2="73778"/>
+                        <a14:foregroundMark x1="82444" y1="79778" x2="94889" y2="55556"/>
+                        <a14:foregroundMark x1="93889" y1="46444" x2="87111" y2="23222"/>
+                        <a14:foregroundMark x1="88778" y1="30000" x2="72000" y2="11444"/>
+                        <a14:foregroundMark x1="74333" y1="14111" x2="49444" y2="4667"/>
+                        <a14:foregroundMark x1="54778" y1="5000" x2="26222" y2="9111"/>
+                        <a14:foregroundMark x1="35000" y1="7778" x2="8667" y2="24556"/>
+                        <a14:foregroundMark x1="17444" y1="18889" x2="3000" y2="45111"/>
+                      </a14:backgroundRemoval>
+                    </a14:imgEffect>
+                  </a14:imgLayer>
+                </a14:imgProps>
+              </a:ext>
+            </a:extLst>
+          </a:blip>
+          <a:stretch>
+            <a:fillRect/>
+          </a:stretch>
+        </p:blipFill>
+        <p:spPr>
+          <a:xfrm>
+            <a:off x="132250" y="6473804"/>
+            <a:ext cx="386305" cy="386305"/>
+          </a:xfrm>
+          <a:prstGeom prst="rect">
+            <a:avLst/>
+          </a:prstGeom>
+        </p:spPr>
+      </p:pic>
+      <p:pic>
+        <p:nvPicPr>
+          <p:cNvPr id="12" name="그림 11">
+            <a:extLst>
+              <a:ext uri="{FF2B5EF4-FFF2-40B4-BE49-F238E27FC236}">
+                <a16:creationId xmlns:a16="http://schemas.microsoft.com/office/drawing/2014/main" id="{0536B556-A6C9-9945-BD6C-4A29677213EA}"/>
+              </a:ext>
+            </a:extLst>
+          </p:cNvPr>
+          <p:cNvPicPr>
+            <a:picLocks noChangeAspect="1"/>
+          </p:cNvPicPr>
+          <p:nvPr/>
+        </p:nvPicPr>
+        <p:blipFill rotWithShape="1">
+          <a:blip r:embed="rId3">
+            <a:extLst>
+              <a:ext uri="{BEBA8EAE-BF5A-486C-A8C5-ECC9F3942E4B}">
+                <a14:imgProps xmlns:a14="http://schemas.microsoft.com/office/drawing/2010/main">
+                  <a14:imgLayer>
+                    <a14:imgEffect>
+                      <a14:backgroundRemoval t="10000" b="90000" l="32959" r="98315">
+                        <a14:foregroundMark x1="36704" y1="28667" x2="36704" y2="28667"/>
+                        <a14:foregroundMark x1="33146" y1="39333" x2="33146" y2="39333"/>
+                        <a14:foregroundMark x1="36142" y1="52667" x2="36142" y2="52667"/>
+                        <a14:foregroundMark x1="43071" y1="31333" x2="43071" y2="31333"/>
+                        <a14:foregroundMark x1="49438" y1="23333" x2="49438" y2="23333"/>
+                        <a14:foregroundMark x1="53184" y1="40667" x2="53184" y2="40667"/>
+                        <a14:foregroundMark x1="49813" y1="51333" x2="49813" y2="51333"/>
+                        <a14:foregroundMark x1="76779" y1="24667" x2="76779" y2="24667"/>
+                        <a14:foregroundMark x1="85955" y1="27333" x2="85955" y2="27333"/>
+                        <a14:foregroundMark x1="85206" y1="50667" x2="85206" y2="50667"/>
+                        <a14:foregroundMark x1="91011" y1="44667" x2="91011" y2="44667"/>
+                        <a14:foregroundMark x1="97566" y1="35333" x2="97566" y2="35333"/>
+                        <a14:foregroundMark x1="35955" y1="77333" x2="35955" y2="77333"/>
+                        <a14:foregroundMark x1="41386" y1="77333" x2="41386" y2="77333"/>
+                        <a14:foregroundMark x1="42697" y1="76667" x2="42697" y2="76667"/>
+                        <a14:foregroundMark x1="48502" y1="75333" x2="48502" y2="75333"/>
+                        <a14:foregroundMark x1="53184" y1="76667" x2="53184" y2="76667"/>
+                        <a14:foregroundMark x1="57678" y1="75333" x2="57678" y2="75333"/>
+                        <a14:foregroundMark x1="61985" y1="76000" x2="61985" y2="76000"/>
+                        <a14:foregroundMark x1="67416" y1="75333" x2="67416" y2="75333"/>
+                        <a14:foregroundMark x1="69850" y1="74667" x2="69850" y2="74667"/>
+                        <a14:foregroundMark x1="71161" y1="74667" x2="71161" y2="74667"/>
+                        <a14:foregroundMark x1="75468" y1="76000" x2="75468" y2="76000"/>
+                        <a14:foregroundMark x1="77154" y1="75333" x2="77154" y2="75333"/>
+                        <a14:foregroundMark x1="79401" y1="77333" x2="79401" y2="77333"/>
+                        <a14:foregroundMark x1="81086" y1="76000" x2="81086" y2="76000"/>
+                        <a14:foregroundMark x1="82397" y1="74000" x2="82397" y2="74000"/>
+                        <a14:foregroundMark x1="85768" y1="74667" x2="85768" y2="74667"/>
+                        <a14:foregroundMark x1="87828" y1="75333" x2="87828" y2="75333"/>
+                        <a14:foregroundMark x1="91011" y1="76000" x2="91011" y2="76000"/>
+                        <a14:foregroundMark x1="93633" y1="76000" x2="93633" y2="76000"/>
+                        <a14:foregroundMark x1="96442" y1="75333" x2="96442" y2="75333"/>
+                        <a14:foregroundMark x1="93071" y1="74000" x2="93071" y2="74000"/>
+                        <a14:foregroundMark x1="94757" y1="74000" x2="94757" y2="74000"/>
+                        <a14:foregroundMark x1="98315" y1="75333" x2="98315" y2="75333"/>
+                      </a14:backgroundRemoval>
+                    </a14:imgEffect>
+                  </a14:imgLayer>
+                </a14:imgProps>
+              </a:ext>
+            </a:extLst>
+          </a:blip>
+          <a:srcRect l="32072"/>
+          <a:stretch/>
+        </p:blipFill>
+        <p:spPr>
+          <a:xfrm>
+            <a:off x="518555" y="6456665"/>
+            <a:ext cx="1003220" cy="415375"/>
+          </a:xfrm>
+          <a:prstGeom prst="rect">
+            <a:avLst/>
+          </a:prstGeom>
+        </p:spPr>
+      </p:pic>
     </p:spTree>
   </p:cSld>
   <p:clrMapOvr>
@@ -8644,6 +10409,163 @@
           <a:chExt cx="0" cy="0"/>
         </a:xfrm>
       </p:grpSpPr>
+      <p:sp>
+        <p:nvSpPr>
+          <p:cNvPr id="17" name="직사각형 16">
+            <a:extLst>
+              <a:ext uri="{FF2B5EF4-FFF2-40B4-BE49-F238E27FC236}">
+                <a16:creationId xmlns:a16="http://schemas.microsoft.com/office/drawing/2014/main" id="{9412C947-AE5F-5A40-BA45-5DF953B37CDD}"/>
+              </a:ext>
+            </a:extLst>
+          </p:cNvPr>
+          <p:cNvSpPr/>
+          <p:nvPr/>
+        </p:nvSpPr>
+        <p:spPr>
+          <a:xfrm>
+            <a:off x="0" y="6459730"/>
+            <a:ext cx="12191999" cy="420613"/>
+          </a:xfrm>
+          <a:prstGeom prst="rect">
+            <a:avLst/>
+          </a:prstGeom>
+          <a:gradFill>
+            <a:gsLst>
+              <a:gs pos="0">
+                <a:schemeClr val="accent1">
+                  <a:lumMod val="5000"/>
+                  <a:lumOff val="95000"/>
+                </a:schemeClr>
+              </a:gs>
+              <a:gs pos="74000">
+                <a:schemeClr val="accent1">
+                  <a:lumMod val="45000"/>
+                  <a:lumOff val="55000"/>
+                </a:schemeClr>
+              </a:gs>
+              <a:gs pos="83000">
+                <a:schemeClr val="accent1">
+                  <a:lumMod val="45000"/>
+                  <a:lumOff val="55000"/>
+                </a:schemeClr>
+              </a:gs>
+              <a:gs pos="100000">
+                <a:schemeClr val="accent1">
+                  <a:lumMod val="30000"/>
+                  <a:lumOff val="70000"/>
+                </a:schemeClr>
+              </a:gs>
+            </a:gsLst>
+            <a:lin ang="5400000" scaled="1"/>
+          </a:gradFill>
+          <a:ln>
+            <a:noFill/>
+          </a:ln>
+        </p:spPr>
+        <p:style>
+          <a:lnRef idx="2">
+            <a:schemeClr val="accent1">
+              <a:shade val="50000"/>
+            </a:schemeClr>
+          </a:lnRef>
+          <a:fillRef idx="1">
+            <a:schemeClr val="accent1"/>
+          </a:fillRef>
+          <a:effectRef idx="0">
+            <a:schemeClr val="accent1"/>
+          </a:effectRef>
+          <a:fontRef idx="minor">
+            <a:schemeClr val="lt1"/>
+          </a:fontRef>
+        </p:style>
+        <p:txBody>
+          <a:bodyPr rtlCol="0" anchor="ctr"/>
+          <a:lstStyle/>
+          <a:p>
+            <a:pPr algn="ctr"/>
+            <a:endParaRPr kumimoji="1" lang="ko-KR" altLang="en-US" dirty="0"/>
+          </a:p>
+        </p:txBody>
+      </p:sp>
+      <p:sp>
+        <p:nvSpPr>
+          <p:cNvPr id="16" name="직사각형 15">
+            <a:extLst>
+              <a:ext uri="{FF2B5EF4-FFF2-40B4-BE49-F238E27FC236}">
+                <a16:creationId xmlns:a16="http://schemas.microsoft.com/office/drawing/2014/main" id="{4D25B921-336A-8E46-A454-20DEFD1C61C2}"/>
+              </a:ext>
+            </a:extLst>
+          </p:cNvPr>
+          <p:cNvSpPr/>
+          <p:nvPr/>
+        </p:nvSpPr>
+        <p:spPr>
+          <a:xfrm>
+            <a:off x="0" y="-5689"/>
+            <a:ext cx="12191999" cy="2428503"/>
+          </a:xfrm>
+          <a:prstGeom prst="rect">
+            <a:avLst/>
+          </a:prstGeom>
+          <a:gradFill flip="none" rotWithShape="1">
+            <a:gsLst>
+              <a:gs pos="0">
+                <a:schemeClr val="accent1">
+                  <a:lumMod val="5000"/>
+                  <a:lumOff val="95000"/>
+                </a:schemeClr>
+              </a:gs>
+              <a:gs pos="74000">
+                <a:schemeClr val="accent1">
+                  <a:lumMod val="45000"/>
+                  <a:lumOff val="55000"/>
+                </a:schemeClr>
+              </a:gs>
+              <a:gs pos="83000">
+                <a:schemeClr val="accent1">
+                  <a:lumMod val="45000"/>
+                  <a:lumOff val="55000"/>
+                </a:schemeClr>
+              </a:gs>
+              <a:gs pos="100000">
+                <a:schemeClr val="accent1">
+                  <a:lumMod val="30000"/>
+                  <a:lumOff val="70000"/>
+                </a:schemeClr>
+              </a:gs>
+            </a:gsLst>
+            <a:lin ang="16200000" scaled="1"/>
+            <a:tileRect/>
+          </a:gradFill>
+          <a:ln>
+            <a:noFill/>
+          </a:ln>
+        </p:spPr>
+        <p:style>
+          <a:lnRef idx="2">
+            <a:schemeClr val="accent1">
+              <a:shade val="50000"/>
+            </a:schemeClr>
+          </a:lnRef>
+          <a:fillRef idx="1">
+            <a:schemeClr val="accent1"/>
+          </a:fillRef>
+          <a:effectRef idx="0">
+            <a:schemeClr val="accent1"/>
+          </a:effectRef>
+          <a:fontRef idx="minor">
+            <a:schemeClr val="lt1"/>
+          </a:fontRef>
+        </p:style>
+        <p:txBody>
+          <a:bodyPr rtlCol="0" anchor="ctr"/>
+          <a:lstStyle/>
+          <a:p>
+            <a:pPr algn="ctr"/>
+            <a:endParaRPr kumimoji="1" lang="ko-KR" altLang="en-US"/>
+          </a:p>
+        </p:txBody>
+      </p:sp>
       <p:pic>
         <p:nvPicPr>
           <p:cNvPr id="123" name="그림 2" descr="그림 2"/>
@@ -8781,7 +10703,7 @@
           </a:prstGeom>
           <a:extLst>
             <a:ext uri="{C572A759-6A51-4108-AA02-DFA0A04FC94B}">
-              <ma14:wrappingTextBoxFlag xmlns="" xmlns:m="http://schemas.openxmlformats.org/officeDocument/2006/math" xmlns:a14="http://schemas.microsoft.com/office/drawing/2010/main" xmlns:ma14="http://schemas.microsoft.com/office/mac/drawingml/2011/main" val="1"/>
+              <ma14:wrappingTextBoxFlag xmlns:ma14="http://schemas.microsoft.com/office/mac/drawingml/2011/main" xmlns:a14="http://schemas.microsoft.com/office/drawing/2010/main" xmlns:m="http://schemas.openxmlformats.org/officeDocument/2006/math" xmlns="" val="1"/>
             </a:ext>
           </a:extLst>
         </p:spPr>
@@ -8842,7 +10764,7 @@
           </a:ln>
           <a:extLst>
             <a:ext uri="{C572A759-6A51-4108-AA02-DFA0A04FC94B}">
-              <ma14:wrappingTextBoxFlag xmlns="" xmlns:m="http://schemas.openxmlformats.org/officeDocument/2006/math" xmlns:a14="http://schemas.microsoft.com/office/drawing/2010/main" xmlns:ma14="http://schemas.microsoft.com/office/mac/drawingml/2011/main" val="1"/>
+              <ma14:wrappingTextBoxFlag xmlns:ma14="http://schemas.microsoft.com/office/mac/drawingml/2011/main" xmlns:a14="http://schemas.microsoft.com/office/drawing/2010/main" xmlns:m="http://schemas.openxmlformats.org/officeDocument/2006/math" xmlns="" val="1"/>
             </a:ext>
           </a:extLst>
         </p:spPr>
@@ -9070,7 +10992,7 @@
           </a:ln>
           <a:extLst>
             <a:ext uri="{C572A759-6A51-4108-AA02-DFA0A04FC94B}">
-              <ma14:wrappingTextBoxFlag xmlns="" xmlns:m="http://schemas.openxmlformats.org/officeDocument/2006/math" xmlns:a14="http://schemas.microsoft.com/office/drawing/2010/main" xmlns:ma14="http://schemas.microsoft.com/office/mac/drawingml/2011/main" val="1"/>
+              <ma14:wrappingTextBoxFlag xmlns:ma14="http://schemas.microsoft.com/office/mac/drawingml/2011/main" xmlns:a14="http://schemas.microsoft.com/office/drawing/2010/main" xmlns:m="http://schemas.openxmlformats.org/officeDocument/2006/math" xmlns="" val="1"/>
             </a:ext>
           </a:extLst>
         </p:spPr>
@@ -9204,7 +11126,7 @@
           </a:ln>
           <a:extLst>
             <a:ext uri="{C572A759-6A51-4108-AA02-DFA0A04FC94B}">
-              <ma14:wrappingTextBoxFlag xmlns="" xmlns:m="http://schemas.openxmlformats.org/officeDocument/2006/math" xmlns:a14="http://schemas.microsoft.com/office/drawing/2010/main" xmlns:ma14="http://schemas.microsoft.com/office/mac/drawingml/2011/main" val="1"/>
+              <ma14:wrappingTextBoxFlag xmlns:ma14="http://schemas.microsoft.com/office/mac/drawingml/2011/main" xmlns:a14="http://schemas.microsoft.com/office/drawing/2010/main" xmlns:m="http://schemas.openxmlformats.org/officeDocument/2006/math" xmlns="" val="1"/>
             </a:ext>
           </a:extLst>
         </p:spPr>
@@ -9368,6 +11290,137 @@
           </a:p>
         </p:txBody>
       </p:sp>
+      <p:pic>
+        <p:nvPicPr>
+          <p:cNvPr id="18" name="그림 17">
+            <a:extLst>
+              <a:ext uri="{FF2B5EF4-FFF2-40B4-BE49-F238E27FC236}">
+                <a16:creationId xmlns:a16="http://schemas.microsoft.com/office/drawing/2014/main" id="{EBF277D6-6C63-094F-90C4-EF9A54476363}"/>
+              </a:ext>
+            </a:extLst>
+          </p:cNvPr>
+          <p:cNvPicPr>
+            <a:picLocks noChangeAspect="1"/>
+          </p:cNvPicPr>
+          <p:nvPr/>
+        </p:nvPicPr>
+        <p:blipFill>
+          <a:blip r:embed="rId7">
+            <a:extLst>
+              <a:ext uri="{BEBA8EAE-BF5A-486C-A8C5-ECC9F3942E4B}">
+                <a14:imgProps xmlns:a14="http://schemas.microsoft.com/office/drawing/2010/main">
+                  <a14:imgLayer>
+                    <a14:imgEffect>
+                      <a14:backgroundRemoval t="0" b="100000" l="0" r="100000">
+                        <a14:foregroundMark x1="5000" y1="58889" x2="11444" y2="75111"/>
+                        <a14:foregroundMark x1="9000" y1="71333" x2="36333" y2="93222"/>
+                        <a14:foregroundMark x1="29889" y1="91556" x2="65889" y2="95000"/>
+                        <a14:foregroundMark x1="58222" y1="95667" x2="89222" y2="73778"/>
+                        <a14:foregroundMark x1="82444" y1="79778" x2="94889" y2="55556"/>
+                        <a14:foregroundMark x1="93889" y1="46444" x2="87111" y2="23222"/>
+                        <a14:foregroundMark x1="88778" y1="30000" x2="72000" y2="11444"/>
+                        <a14:foregroundMark x1="74333" y1="14111" x2="49444" y2="4667"/>
+                        <a14:foregroundMark x1="54778" y1="5000" x2="26222" y2="9111"/>
+                        <a14:foregroundMark x1="35000" y1="7778" x2="8667" y2="24556"/>
+                        <a14:foregroundMark x1="17444" y1="18889" x2="3000" y2="45111"/>
+                      </a14:backgroundRemoval>
+                    </a14:imgEffect>
+                  </a14:imgLayer>
+                </a14:imgProps>
+              </a:ext>
+            </a:extLst>
+          </a:blip>
+          <a:stretch>
+            <a:fillRect/>
+          </a:stretch>
+        </p:blipFill>
+        <p:spPr>
+          <a:xfrm>
+            <a:off x="132250" y="6473804"/>
+            <a:ext cx="386305" cy="386305"/>
+          </a:xfrm>
+          <a:prstGeom prst="rect">
+            <a:avLst/>
+          </a:prstGeom>
+        </p:spPr>
+      </p:pic>
+      <p:pic>
+        <p:nvPicPr>
+          <p:cNvPr id="19" name="그림 18">
+            <a:extLst>
+              <a:ext uri="{FF2B5EF4-FFF2-40B4-BE49-F238E27FC236}">
+                <a16:creationId xmlns:a16="http://schemas.microsoft.com/office/drawing/2014/main" id="{7B4E0B7B-0182-904E-8744-2C3DD6B16A5C}"/>
+              </a:ext>
+            </a:extLst>
+          </p:cNvPr>
+          <p:cNvPicPr>
+            <a:picLocks noChangeAspect="1"/>
+          </p:cNvPicPr>
+          <p:nvPr/>
+        </p:nvPicPr>
+        <p:blipFill rotWithShape="1">
+          <a:blip r:embed="rId8">
+            <a:extLst>
+              <a:ext uri="{BEBA8EAE-BF5A-486C-A8C5-ECC9F3942E4B}">
+                <a14:imgProps xmlns:a14="http://schemas.microsoft.com/office/drawing/2010/main">
+                  <a14:imgLayer>
+                    <a14:imgEffect>
+                      <a14:backgroundRemoval t="10000" b="90000" l="32959" r="98315">
+                        <a14:foregroundMark x1="36704" y1="28667" x2="36704" y2="28667"/>
+                        <a14:foregroundMark x1="33146" y1="39333" x2="33146" y2="39333"/>
+                        <a14:foregroundMark x1="36142" y1="52667" x2="36142" y2="52667"/>
+                        <a14:foregroundMark x1="43071" y1="31333" x2="43071" y2="31333"/>
+                        <a14:foregroundMark x1="49438" y1="23333" x2="49438" y2="23333"/>
+                        <a14:foregroundMark x1="53184" y1="40667" x2="53184" y2="40667"/>
+                        <a14:foregroundMark x1="49813" y1="51333" x2="49813" y2="51333"/>
+                        <a14:foregroundMark x1="76779" y1="24667" x2="76779" y2="24667"/>
+                        <a14:foregroundMark x1="85955" y1="27333" x2="85955" y2="27333"/>
+                        <a14:foregroundMark x1="85206" y1="50667" x2="85206" y2="50667"/>
+                        <a14:foregroundMark x1="91011" y1="44667" x2="91011" y2="44667"/>
+                        <a14:foregroundMark x1="97566" y1="35333" x2="97566" y2="35333"/>
+                        <a14:foregroundMark x1="35955" y1="77333" x2="35955" y2="77333"/>
+                        <a14:foregroundMark x1="41386" y1="77333" x2="41386" y2="77333"/>
+                        <a14:foregroundMark x1="42697" y1="76667" x2="42697" y2="76667"/>
+                        <a14:foregroundMark x1="48502" y1="75333" x2="48502" y2="75333"/>
+                        <a14:foregroundMark x1="53184" y1="76667" x2="53184" y2="76667"/>
+                        <a14:foregroundMark x1="57678" y1="75333" x2="57678" y2="75333"/>
+                        <a14:foregroundMark x1="61985" y1="76000" x2="61985" y2="76000"/>
+                        <a14:foregroundMark x1="67416" y1="75333" x2="67416" y2="75333"/>
+                        <a14:foregroundMark x1="69850" y1="74667" x2="69850" y2="74667"/>
+                        <a14:foregroundMark x1="71161" y1="74667" x2="71161" y2="74667"/>
+                        <a14:foregroundMark x1="75468" y1="76000" x2="75468" y2="76000"/>
+                        <a14:foregroundMark x1="77154" y1="75333" x2="77154" y2="75333"/>
+                        <a14:foregroundMark x1="79401" y1="77333" x2="79401" y2="77333"/>
+                        <a14:foregroundMark x1="81086" y1="76000" x2="81086" y2="76000"/>
+                        <a14:foregroundMark x1="82397" y1="74000" x2="82397" y2="74000"/>
+                        <a14:foregroundMark x1="85768" y1="74667" x2="85768" y2="74667"/>
+                        <a14:foregroundMark x1="87828" y1="75333" x2="87828" y2="75333"/>
+                        <a14:foregroundMark x1="91011" y1="76000" x2="91011" y2="76000"/>
+                        <a14:foregroundMark x1="93633" y1="76000" x2="93633" y2="76000"/>
+                        <a14:foregroundMark x1="96442" y1="75333" x2="96442" y2="75333"/>
+                        <a14:foregroundMark x1="93071" y1="74000" x2="93071" y2="74000"/>
+                        <a14:foregroundMark x1="94757" y1="74000" x2="94757" y2="74000"/>
+                        <a14:foregroundMark x1="98315" y1="75333" x2="98315" y2="75333"/>
+                      </a14:backgroundRemoval>
+                    </a14:imgEffect>
+                  </a14:imgLayer>
+                </a14:imgProps>
+              </a:ext>
+            </a:extLst>
+          </a:blip>
+          <a:srcRect l="32072"/>
+          <a:stretch/>
+        </p:blipFill>
+        <p:spPr>
+          <a:xfrm>
+            <a:off x="518555" y="6456665"/>
+            <a:ext cx="1003220" cy="415375"/>
+          </a:xfrm>
+          <a:prstGeom prst="rect">
+            <a:avLst/>
+          </a:prstGeom>
+        </p:spPr>
+      </p:pic>
     </p:spTree>
   </p:cSld>
   <p:clrMapOvr>
@@ -10254,6 +12307,163 @@
       </p:grpSpPr>
       <p:sp>
         <p:nvSpPr>
+          <p:cNvPr id="11" name="직사각형 10">
+            <a:extLst>
+              <a:ext uri="{FF2B5EF4-FFF2-40B4-BE49-F238E27FC236}">
+                <a16:creationId xmlns:a16="http://schemas.microsoft.com/office/drawing/2014/main" id="{7AD086CB-FAEB-0B43-A166-F8E3C6D69079}"/>
+              </a:ext>
+            </a:extLst>
+          </p:cNvPr>
+          <p:cNvSpPr/>
+          <p:nvPr/>
+        </p:nvSpPr>
+        <p:spPr>
+          <a:xfrm>
+            <a:off x="0" y="6459730"/>
+            <a:ext cx="12191999" cy="420613"/>
+          </a:xfrm>
+          <a:prstGeom prst="rect">
+            <a:avLst/>
+          </a:prstGeom>
+          <a:gradFill>
+            <a:gsLst>
+              <a:gs pos="0">
+                <a:schemeClr val="accent1">
+                  <a:lumMod val="5000"/>
+                  <a:lumOff val="95000"/>
+                </a:schemeClr>
+              </a:gs>
+              <a:gs pos="74000">
+                <a:schemeClr val="accent1">
+                  <a:lumMod val="45000"/>
+                  <a:lumOff val="55000"/>
+                </a:schemeClr>
+              </a:gs>
+              <a:gs pos="83000">
+                <a:schemeClr val="accent1">
+                  <a:lumMod val="45000"/>
+                  <a:lumOff val="55000"/>
+                </a:schemeClr>
+              </a:gs>
+              <a:gs pos="100000">
+                <a:schemeClr val="accent1">
+                  <a:lumMod val="30000"/>
+                  <a:lumOff val="70000"/>
+                </a:schemeClr>
+              </a:gs>
+            </a:gsLst>
+            <a:lin ang="5400000" scaled="1"/>
+          </a:gradFill>
+          <a:ln>
+            <a:noFill/>
+          </a:ln>
+        </p:spPr>
+        <p:style>
+          <a:lnRef idx="2">
+            <a:schemeClr val="accent1">
+              <a:shade val="50000"/>
+            </a:schemeClr>
+          </a:lnRef>
+          <a:fillRef idx="1">
+            <a:schemeClr val="accent1"/>
+          </a:fillRef>
+          <a:effectRef idx="0">
+            <a:schemeClr val="accent1"/>
+          </a:effectRef>
+          <a:fontRef idx="minor">
+            <a:schemeClr val="lt1"/>
+          </a:fontRef>
+        </p:style>
+        <p:txBody>
+          <a:bodyPr rtlCol="0" anchor="ctr"/>
+          <a:lstStyle/>
+          <a:p>
+            <a:pPr algn="ctr"/>
+            <a:endParaRPr kumimoji="1" lang="ko-KR" altLang="en-US" dirty="0"/>
+          </a:p>
+        </p:txBody>
+      </p:sp>
+      <p:sp>
+        <p:nvSpPr>
+          <p:cNvPr id="10" name="직사각형 9">
+            <a:extLst>
+              <a:ext uri="{FF2B5EF4-FFF2-40B4-BE49-F238E27FC236}">
+                <a16:creationId xmlns:a16="http://schemas.microsoft.com/office/drawing/2014/main" id="{0C1CC92D-012E-A54D-8C7A-B5EF8B522808}"/>
+              </a:ext>
+            </a:extLst>
+          </p:cNvPr>
+          <p:cNvSpPr/>
+          <p:nvPr/>
+        </p:nvSpPr>
+        <p:spPr>
+          <a:xfrm>
+            <a:off x="0" y="-5689"/>
+            <a:ext cx="12191999" cy="2428503"/>
+          </a:xfrm>
+          <a:prstGeom prst="rect">
+            <a:avLst/>
+          </a:prstGeom>
+          <a:gradFill flip="none" rotWithShape="1">
+            <a:gsLst>
+              <a:gs pos="0">
+                <a:schemeClr val="accent1">
+                  <a:lumMod val="5000"/>
+                  <a:lumOff val="95000"/>
+                </a:schemeClr>
+              </a:gs>
+              <a:gs pos="74000">
+                <a:schemeClr val="accent1">
+                  <a:lumMod val="45000"/>
+                  <a:lumOff val="55000"/>
+                </a:schemeClr>
+              </a:gs>
+              <a:gs pos="83000">
+                <a:schemeClr val="accent1">
+                  <a:lumMod val="45000"/>
+                  <a:lumOff val="55000"/>
+                </a:schemeClr>
+              </a:gs>
+              <a:gs pos="100000">
+                <a:schemeClr val="accent1">
+                  <a:lumMod val="30000"/>
+                  <a:lumOff val="70000"/>
+                </a:schemeClr>
+              </a:gs>
+            </a:gsLst>
+            <a:lin ang="16200000" scaled="1"/>
+            <a:tileRect/>
+          </a:gradFill>
+          <a:ln>
+            <a:noFill/>
+          </a:ln>
+        </p:spPr>
+        <p:style>
+          <a:lnRef idx="2">
+            <a:schemeClr val="accent1">
+              <a:shade val="50000"/>
+            </a:schemeClr>
+          </a:lnRef>
+          <a:fillRef idx="1">
+            <a:schemeClr val="accent1"/>
+          </a:fillRef>
+          <a:effectRef idx="0">
+            <a:schemeClr val="accent1"/>
+          </a:effectRef>
+          <a:fontRef idx="minor">
+            <a:schemeClr val="lt1"/>
+          </a:fontRef>
+        </p:style>
+        <p:txBody>
+          <a:bodyPr rtlCol="0" anchor="ctr"/>
+          <a:lstStyle/>
+          <a:p>
+            <a:pPr algn="ctr"/>
+            <a:endParaRPr kumimoji="1" lang="ko-KR" altLang="en-US"/>
+          </a:p>
+        </p:txBody>
+      </p:sp>
+      <p:sp>
+        <p:nvSpPr>
           <p:cNvPr id="2" name="모서리가 둥근 직사각형 1">
             <a:extLst>
               <a:ext uri="{FF2B5EF4-FFF2-40B4-BE49-F238E27FC236}">
@@ -10361,7 +12571,7 @@
           </a:prstGeom>
           <a:extLst>
             <a:ext uri="{C572A759-6A51-4108-AA02-DFA0A04FC94B}">
-              <ma14:wrappingTextBoxFlag xmlns="" xmlns:m="http://schemas.openxmlformats.org/officeDocument/2006/math" xmlns:a14="http://schemas.microsoft.com/office/drawing/2010/main" xmlns:ma14="http://schemas.microsoft.com/office/mac/drawingml/2011/main" val="1"/>
+              <ma14:wrappingTextBoxFlag xmlns:ma14="http://schemas.microsoft.com/office/mac/drawingml/2011/main" xmlns:a14="http://schemas.microsoft.com/office/drawing/2010/main" xmlns:m="http://schemas.openxmlformats.org/officeDocument/2006/math" xmlns="" val="1"/>
             </a:ext>
           </a:extLst>
         </p:spPr>
@@ -10422,7 +12632,7 @@
           </a:ln>
           <a:extLst>
             <a:ext uri="{C572A759-6A51-4108-AA02-DFA0A04FC94B}">
-              <ma14:wrappingTextBoxFlag xmlns="" xmlns:m="http://schemas.openxmlformats.org/officeDocument/2006/math" xmlns:a14="http://schemas.microsoft.com/office/drawing/2010/main" xmlns:ma14="http://schemas.microsoft.com/office/mac/drawingml/2011/main" val="1"/>
+              <ma14:wrappingTextBoxFlag xmlns:ma14="http://schemas.microsoft.com/office/mac/drawingml/2011/main" xmlns:a14="http://schemas.microsoft.com/office/drawing/2010/main" xmlns:m="http://schemas.openxmlformats.org/officeDocument/2006/math" xmlns="" val="1"/>
             </a:ext>
           </a:extLst>
         </p:spPr>
@@ -10558,7 +12768,7 @@
           </a:ln>
           <a:extLst>
             <a:ext uri="{C572A759-6A51-4108-AA02-DFA0A04FC94B}">
-              <ma14:wrappingTextBoxFlag xmlns="" xmlns:m="http://schemas.openxmlformats.org/officeDocument/2006/math" xmlns:a14="http://schemas.microsoft.com/office/drawing/2010/main" xmlns:ma14="http://schemas.microsoft.com/office/mac/drawingml/2011/main" val="1"/>
+              <ma14:wrappingTextBoxFlag xmlns:ma14="http://schemas.microsoft.com/office/mac/drawingml/2011/main" xmlns:a14="http://schemas.microsoft.com/office/drawing/2010/main" xmlns:m="http://schemas.openxmlformats.org/officeDocument/2006/math" xmlns="" val="1"/>
             </a:ext>
           </a:extLst>
         </p:spPr>
@@ -10872,7 +13082,7 @@
           </a:ln>
           <a:extLst>
             <a:ext uri="{C572A759-6A51-4108-AA02-DFA0A04FC94B}">
-              <ma14:wrappingTextBoxFlag xmlns="" xmlns:m="http://schemas.openxmlformats.org/officeDocument/2006/math" xmlns:a14="http://schemas.microsoft.com/office/drawing/2010/main" xmlns:ma14="http://schemas.microsoft.com/office/mac/drawingml/2011/main" val="1"/>
+              <ma14:wrappingTextBoxFlag xmlns:ma14="http://schemas.microsoft.com/office/mac/drawingml/2011/main" xmlns:a14="http://schemas.microsoft.com/office/drawing/2010/main" xmlns:m="http://schemas.openxmlformats.org/officeDocument/2006/math" xmlns="" val="1"/>
             </a:ext>
           </a:extLst>
         </p:spPr>
@@ -10970,6 +13180,137 @@
           </a:p>
         </p:txBody>
       </p:sp>
+      <p:pic>
+        <p:nvPicPr>
+          <p:cNvPr id="12" name="그림 11">
+            <a:extLst>
+              <a:ext uri="{FF2B5EF4-FFF2-40B4-BE49-F238E27FC236}">
+                <a16:creationId xmlns:a16="http://schemas.microsoft.com/office/drawing/2014/main" id="{76FE57D2-9FDE-D64F-A36F-C953E0C27599}"/>
+              </a:ext>
+            </a:extLst>
+          </p:cNvPr>
+          <p:cNvPicPr>
+            <a:picLocks noChangeAspect="1"/>
+          </p:cNvPicPr>
+          <p:nvPr/>
+        </p:nvPicPr>
+        <p:blipFill>
+          <a:blip r:embed="rId4">
+            <a:extLst>
+              <a:ext uri="{BEBA8EAE-BF5A-486C-A8C5-ECC9F3942E4B}">
+                <a14:imgProps xmlns:a14="http://schemas.microsoft.com/office/drawing/2010/main">
+                  <a14:imgLayer>
+                    <a14:imgEffect>
+                      <a14:backgroundRemoval t="0" b="100000" l="0" r="100000">
+                        <a14:foregroundMark x1="5000" y1="58889" x2="11444" y2="75111"/>
+                        <a14:foregroundMark x1="9000" y1="71333" x2="36333" y2="93222"/>
+                        <a14:foregroundMark x1="29889" y1="91556" x2="65889" y2="95000"/>
+                        <a14:foregroundMark x1="58222" y1="95667" x2="89222" y2="73778"/>
+                        <a14:foregroundMark x1="82444" y1="79778" x2="94889" y2="55556"/>
+                        <a14:foregroundMark x1="93889" y1="46444" x2="87111" y2="23222"/>
+                        <a14:foregroundMark x1="88778" y1="30000" x2="72000" y2="11444"/>
+                        <a14:foregroundMark x1="74333" y1="14111" x2="49444" y2="4667"/>
+                        <a14:foregroundMark x1="54778" y1="5000" x2="26222" y2="9111"/>
+                        <a14:foregroundMark x1="35000" y1="7778" x2="8667" y2="24556"/>
+                        <a14:foregroundMark x1="17444" y1="18889" x2="3000" y2="45111"/>
+                      </a14:backgroundRemoval>
+                    </a14:imgEffect>
+                  </a14:imgLayer>
+                </a14:imgProps>
+              </a:ext>
+            </a:extLst>
+          </a:blip>
+          <a:stretch>
+            <a:fillRect/>
+          </a:stretch>
+        </p:blipFill>
+        <p:spPr>
+          <a:xfrm>
+            <a:off x="132250" y="6473804"/>
+            <a:ext cx="386305" cy="386305"/>
+          </a:xfrm>
+          <a:prstGeom prst="rect">
+            <a:avLst/>
+          </a:prstGeom>
+        </p:spPr>
+      </p:pic>
+      <p:pic>
+        <p:nvPicPr>
+          <p:cNvPr id="13" name="그림 12">
+            <a:extLst>
+              <a:ext uri="{FF2B5EF4-FFF2-40B4-BE49-F238E27FC236}">
+                <a16:creationId xmlns:a16="http://schemas.microsoft.com/office/drawing/2014/main" id="{DE9FFB52-B9A2-8942-B189-D223542FC41E}"/>
+              </a:ext>
+            </a:extLst>
+          </p:cNvPr>
+          <p:cNvPicPr>
+            <a:picLocks noChangeAspect="1"/>
+          </p:cNvPicPr>
+          <p:nvPr/>
+        </p:nvPicPr>
+        <p:blipFill rotWithShape="1">
+          <a:blip r:embed="rId5">
+            <a:extLst>
+              <a:ext uri="{BEBA8EAE-BF5A-486C-A8C5-ECC9F3942E4B}">
+                <a14:imgProps xmlns:a14="http://schemas.microsoft.com/office/drawing/2010/main">
+                  <a14:imgLayer>
+                    <a14:imgEffect>
+                      <a14:backgroundRemoval t="10000" b="90000" l="32959" r="98315">
+                        <a14:foregroundMark x1="36704" y1="28667" x2="36704" y2="28667"/>
+                        <a14:foregroundMark x1="33146" y1="39333" x2="33146" y2="39333"/>
+                        <a14:foregroundMark x1="36142" y1="52667" x2="36142" y2="52667"/>
+                        <a14:foregroundMark x1="43071" y1="31333" x2="43071" y2="31333"/>
+                        <a14:foregroundMark x1="49438" y1="23333" x2="49438" y2="23333"/>
+                        <a14:foregroundMark x1="53184" y1="40667" x2="53184" y2="40667"/>
+                        <a14:foregroundMark x1="49813" y1="51333" x2="49813" y2="51333"/>
+                        <a14:foregroundMark x1="76779" y1="24667" x2="76779" y2="24667"/>
+                        <a14:foregroundMark x1="85955" y1="27333" x2="85955" y2="27333"/>
+                        <a14:foregroundMark x1="85206" y1="50667" x2="85206" y2="50667"/>
+                        <a14:foregroundMark x1="91011" y1="44667" x2="91011" y2="44667"/>
+                        <a14:foregroundMark x1="97566" y1="35333" x2="97566" y2="35333"/>
+                        <a14:foregroundMark x1="35955" y1="77333" x2="35955" y2="77333"/>
+                        <a14:foregroundMark x1="41386" y1="77333" x2="41386" y2="77333"/>
+                        <a14:foregroundMark x1="42697" y1="76667" x2="42697" y2="76667"/>
+                        <a14:foregroundMark x1="48502" y1="75333" x2="48502" y2="75333"/>
+                        <a14:foregroundMark x1="53184" y1="76667" x2="53184" y2="76667"/>
+                        <a14:foregroundMark x1="57678" y1="75333" x2="57678" y2="75333"/>
+                        <a14:foregroundMark x1="61985" y1="76000" x2="61985" y2="76000"/>
+                        <a14:foregroundMark x1="67416" y1="75333" x2="67416" y2="75333"/>
+                        <a14:foregroundMark x1="69850" y1="74667" x2="69850" y2="74667"/>
+                        <a14:foregroundMark x1="71161" y1="74667" x2="71161" y2="74667"/>
+                        <a14:foregroundMark x1="75468" y1="76000" x2="75468" y2="76000"/>
+                        <a14:foregroundMark x1="77154" y1="75333" x2="77154" y2="75333"/>
+                        <a14:foregroundMark x1="79401" y1="77333" x2="79401" y2="77333"/>
+                        <a14:foregroundMark x1="81086" y1="76000" x2="81086" y2="76000"/>
+                        <a14:foregroundMark x1="82397" y1="74000" x2="82397" y2="74000"/>
+                        <a14:foregroundMark x1="85768" y1="74667" x2="85768" y2="74667"/>
+                        <a14:foregroundMark x1="87828" y1="75333" x2="87828" y2="75333"/>
+                        <a14:foregroundMark x1="91011" y1="76000" x2="91011" y2="76000"/>
+                        <a14:foregroundMark x1="93633" y1="76000" x2="93633" y2="76000"/>
+                        <a14:foregroundMark x1="96442" y1="75333" x2="96442" y2="75333"/>
+                        <a14:foregroundMark x1="93071" y1="74000" x2="93071" y2="74000"/>
+                        <a14:foregroundMark x1="94757" y1="74000" x2="94757" y2="74000"/>
+                        <a14:foregroundMark x1="98315" y1="75333" x2="98315" y2="75333"/>
+                      </a14:backgroundRemoval>
+                    </a14:imgEffect>
+                  </a14:imgLayer>
+                </a14:imgProps>
+              </a:ext>
+            </a:extLst>
+          </a:blip>
+          <a:srcRect l="32072"/>
+          <a:stretch/>
+        </p:blipFill>
+        <p:spPr>
+          <a:xfrm>
+            <a:off x="518555" y="6456665"/>
+            <a:ext cx="1003220" cy="415375"/>
+          </a:xfrm>
+          <a:prstGeom prst="rect">
+            <a:avLst/>
+          </a:prstGeom>
+        </p:spPr>
+      </p:pic>
     </p:spTree>
   </p:cSld>
   <p:clrMapOvr>
@@ -10995,6 +13336,163 @@
           <a:chExt cx="0" cy="0"/>
         </a:xfrm>
       </p:grpSpPr>
+      <p:sp>
+        <p:nvSpPr>
+          <p:cNvPr id="12" name="직사각형 11">
+            <a:extLst>
+              <a:ext uri="{FF2B5EF4-FFF2-40B4-BE49-F238E27FC236}">
+                <a16:creationId xmlns:a16="http://schemas.microsoft.com/office/drawing/2014/main" id="{B6D43ADB-F385-4A47-A116-C10FF663C407}"/>
+              </a:ext>
+            </a:extLst>
+          </p:cNvPr>
+          <p:cNvSpPr/>
+          <p:nvPr/>
+        </p:nvSpPr>
+        <p:spPr>
+          <a:xfrm>
+            <a:off x="0" y="6459730"/>
+            <a:ext cx="12191999" cy="420613"/>
+          </a:xfrm>
+          <a:prstGeom prst="rect">
+            <a:avLst/>
+          </a:prstGeom>
+          <a:gradFill>
+            <a:gsLst>
+              <a:gs pos="0">
+                <a:schemeClr val="accent1">
+                  <a:lumMod val="5000"/>
+                  <a:lumOff val="95000"/>
+                </a:schemeClr>
+              </a:gs>
+              <a:gs pos="74000">
+                <a:schemeClr val="accent1">
+                  <a:lumMod val="45000"/>
+                  <a:lumOff val="55000"/>
+                </a:schemeClr>
+              </a:gs>
+              <a:gs pos="83000">
+                <a:schemeClr val="accent1">
+                  <a:lumMod val="45000"/>
+                  <a:lumOff val="55000"/>
+                </a:schemeClr>
+              </a:gs>
+              <a:gs pos="100000">
+                <a:schemeClr val="accent1">
+                  <a:lumMod val="30000"/>
+                  <a:lumOff val="70000"/>
+                </a:schemeClr>
+              </a:gs>
+            </a:gsLst>
+            <a:lin ang="5400000" scaled="1"/>
+          </a:gradFill>
+          <a:ln>
+            <a:noFill/>
+          </a:ln>
+        </p:spPr>
+        <p:style>
+          <a:lnRef idx="2">
+            <a:schemeClr val="accent1">
+              <a:shade val="50000"/>
+            </a:schemeClr>
+          </a:lnRef>
+          <a:fillRef idx="1">
+            <a:schemeClr val="accent1"/>
+          </a:fillRef>
+          <a:effectRef idx="0">
+            <a:schemeClr val="accent1"/>
+          </a:effectRef>
+          <a:fontRef idx="minor">
+            <a:schemeClr val="lt1"/>
+          </a:fontRef>
+        </p:style>
+        <p:txBody>
+          <a:bodyPr rtlCol="0" anchor="ctr"/>
+          <a:lstStyle/>
+          <a:p>
+            <a:pPr algn="ctr"/>
+            <a:endParaRPr kumimoji="1" lang="ko-KR" altLang="en-US" dirty="0"/>
+          </a:p>
+        </p:txBody>
+      </p:sp>
+      <p:sp>
+        <p:nvSpPr>
+          <p:cNvPr id="11" name="직사각형 10">
+            <a:extLst>
+              <a:ext uri="{FF2B5EF4-FFF2-40B4-BE49-F238E27FC236}">
+                <a16:creationId xmlns:a16="http://schemas.microsoft.com/office/drawing/2014/main" id="{07CF3389-B2BE-204F-8D5A-3584ED703CC5}"/>
+              </a:ext>
+            </a:extLst>
+          </p:cNvPr>
+          <p:cNvSpPr/>
+          <p:nvPr/>
+        </p:nvSpPr>
+        <p:spPr>
+          <a:xfrm>
+            <a:off x="0" y="-5689"/>
+            <a:ext cx="12191999" cy="2428503"/>
+          </a:xfrm>
+          <a:prstGeom prst="rect">
+            <a:avLst/>
+          </a:prstGeom>
+          <a:gradFill flip="none" rotWithShape="1">
+            <a:gsLst>
+              <a:gs pos="0">
+                <a:schemeClr val="accent1">
+                  <a:lumMod val="5000"/>
+                  <a:lumOff val="95000"/>
+                </a:schemeClr>
+              </a:gs>
+              <a:gs pos="74000">
+                <a:schemeClr val="accent1">
+                  <a:lumMod val="45000"/>
+                  <a:lumOff val="55000"/>
+                </a:schemeClr>
+              </a:gs>
+              <a:gs pos="83000">
+                <a:schemeClr val="accent1">
+                  <a:lumMod val="45000"/>
+                  <a:lumOff val="55000"/>
+                </a:schemeClr>
+              </a:gs>
+              <a:gs pos="100000">
+                <a:schemeClr val="accent1">
+                  <a:lumMod val="30000"/>
+                  <a:lumOff val="70000"/>
+                </a:schemeClr>
+              </a:gs>
+            </a:gsLst>
+            <a:lin ang="16200000" scaled="1"/>
+            <a:tileRect/>
+          </a:gradFill>
+          <a:ln>
+            <a:noFill/>
+          </a:ln>
+        </p:spPr>
+        <p:style>
+          <a:lnRef idx="2">
+            <a:schemeClr val="accent1">
+              <a:shade val="50000"/>
+            </a:schemeClr>
+          </a:lnRef>
+          <a:fillRef idx="1">
+            <a:schemeClr val="accent1"/>
+          </a:fillRef>
+          <a:effectRef idx="0">
+            <a:schemeClr val="accent1"/>
+          </a:effectRef>
+          <a:fontRef idx="minor">
+            <a:schemeClr val="lt1"/>
+          </a:fontRef>
+        </p:style>
+        <p:txBody>
+          <a:bodyPr rtlCol="0" anchor="ctr"/>
+          <a:lstStyle/>
+          <a:p>
+            <a:pPr algn="ctr"/>
+            <a:endParaRPr kumimoji="1" lang="ko-KR" altLang="en-US"/>
+          </a:p>
+        </p:txBody>
+      </p:sp>
       <p:sp>
         <p:nvSpPr>
           <p:cNvPr id="10" name="직선 연결선 4">
@@ -11090,7 +13588,7 @@
           </a:prstGeom>
           <a:extLst>
             <a:ext uri="{C572A759-6A51-4108-AA02-DFA0A04FC94B}">
-              <ma14:wrappingTextBoxFlag xmlns="" xmlns:m="http://schemas.openxmlformats.org/officeDocument/2006/math" xmlns:a14="http://schemas.microsoft.com/office/drawing/2010/main" xmlns:ma14="http://schemas.microsoft.com/office/mac/drawingml/2011/main" val="1"/>
+              <ma14:wrappingTextBoxFlag xmlns:ma14="http://schemas.microsoft.com/office/mac/drawingml/2011/main" xmlns:a14="http://schemas.microsoft.com/office/drawing/2010/main" xmlns:m="http://schemas.openxmlformats.org/officeDocument/2006/math" xmlns="" val="1"/>
             </a:ext>
           </a:extLst>
         </p:spPr>
@@ -11124,7 +13622,7 @@
           </a:ln>
           <a:extLst>
             <a:ext uri="{C572A759-6A51-4108-AA02-DFA0A04FC94B}">
-              <ma14:wrappingTextBoxFlag xmlns="" xmlns:m="http://schemas.openxmlformats.org/officeDocument/2006/math" xmlns:a14="http://schemas.microsoft.com/office/drawing/2010/main" xmlns:ma14="http://schemas.microsoft.com/office/mac/drawingml/2011/main" val="1"/>
+              <ma14:wrappingTextBoxFlag xmlns:ma14="http://schemas.microsoft.com/office/mac/drawingml/2011/main" xmlns:a14="http://schemas.microsoft.com/office/drawing/2010/main" xmlns:m="http://schemas.openxmlformats.org/officeDocument/2006/math" xmlns="" val="1"/>
             </a:ext>
           </a:extLst>
         </p:spPr>
@@ -11183,7 +13681,7 @@
           </a:ln>
           <a:extLst>
             <a:ext uri="{C572A759-6A51-4108-AA02-DFA0A04FC94B}">
-              <ma14:wrappingTextBoxFlag xmlns="" xmlns:m="http://schemas.openxmlformats.org/officeDocument/2006/math" xmlns:a14="http://schemas.microsoft.com/office/drawing/2010/main" xmlns:ma14="http://schemas.microsoft.com/office/mac/drawingml/2011/main" val="1"/>
+              <ma14:wrappingTextBoxFlag xmlns:ma14="http://schemas.microsoft.com/office/mac/drawingml/2011/main" xmlns:a14="http://schemas.microsoft.com/office/drawing/2010/main" xmlns:m="http://schemas.openxmlformats.org/officeDocument/2006/math" xmlns="" val="1"/>
             </a:ext>
           </a:extLst>
         </p:spPr>
@@ -11250,7 +13748,7 @@
           </a:ln>
           <a:extLst>
             <a:ext uri="{C572A759-6A51-4108-AA02-DFA0A04FC94B}">
-              <ma14:wrappingTextBoxFlag xmlns="" xmlns:m="http://schemas.openxmlformats.org/officeDocument/2006/math" xmlns:a14="http://schemas.microsoft.com/office/drawing/2010/main" xmlns:ma14="http://schemas.microsoft.com/office/mac/drawingml/2011/main" val="1"/>
+              <ma14:wrappingTextBoxFlag xmlns:ma14="http://schemas.microsoft.com/office/mac/drawingml/2011/main" xmlns:a14="http://schemas.microsoft.com/office/drawing/2010/main" xmlns:m="http://schemas.openxmlformats.org/officeDocument/2006/math" xmlns="" val="1"/>
             </a:ext>
           </a:extLst>
         </p:spPr>
@@ -11788,7 +14286,7 @@
           </a:ln>
           <a:extLst>
             <a:ext uri="{C572A759-6A51-4108-AA02-DFA0A04FC94B}">
-              <ma14:wrappingTextBoxFlag xmlns="" xmlns:m="http://schemas.openxmlformats.org/officeDocument/2006/math" xmlns:a14="http://schemas.microsoft.com/office/drawing/2010/main" xmlns:ma14="http://schemas.microsoft.com/office/mac/drawingml/2011/main" val="1"/>
+              <ma14:wrappingTextBoxFlag xmlns:ma14="http://schemas.microsoft.com/office/mac/drawingml/2011/main" xmlns:a14="http://schemas.microsoft.com/office/drawing/2010/main" xmlns:m="http://schemas.openxmlformats.org/officeDocument/2006/math" xmlns="" val="1"/>
             </a:ext>
           </a:extLst>
         </p:spPr>
@@ -12012,6 +14510,137 @@
           <a:ln w="12700">
             <a:miter lim="400000"/>
           </a:ln>
+        </p:spPr>
+      </p:pic>
+      <p:pic>
+        <p:nvPicPr>
+          <p:cNvPr id="13" name="그림 12">
+            <a:extLst>
+              <a:ext uri="{FF2B5EF4-FFF2-40B4-BE49-F238E27FC236}">
+                <a16:creationId xmlns:a16="http://schemas.microsoft.com/office/drawing/2014/main" id="{7D983879-76C4-4944-9D68-B8770C0AEDEC}"/>
+              </a:ext>
+            </a:extLst>
+          </p:cNvPr>
+          <p:cNvPicPr>
+            <a:picLocks noChangeAspect="1"/>
+          </p:cNvPicPr>
+          <p:nvPr/>
+        </p:nvPicPr>
+        <p:blipFill>
+          <a:blip r:embed="rId4">
+            <a:extLst>
+              <a:ext uri="{BEBA8EAE-BF5A-486C-A8C5-ECC9F3942E4B}">
+                <a14:imgProps xmlns:a14="http://schemas.microsoft.com/office/drawing/2010/main">
+                  <a14:imgLayer>
+                    <a14:imgEffect>
+                      <a14:backgroundRemoval t="0" b="100000" l="0" r="100000">
+                        <a14:foregroundMark x1="5000" y1="58889" x2="11444" y2="75111"/>
+                        <a14:foregroundMark x1="9000" y1="71333" x2="36333" y2="93222"/>
+                        <a14:foregroundMark x1="29889" y1="91556" x2="65889" y2="95000"/>
+                        <a14:foregroundMark x1="58222" y1="95667" x2="89222" y2="73778"/>
+                        <a14:foregroundMark x1="82444" y1="79778" x2="94889" y2="55556"/>
+                        <a14:foregroundMark x1="93889" y1="46444" x2="87111" y2="23222"/>
+                        <a14:foregroundMark x1="88778" y1="30000" x2="72000" y2="11444"/>
+                        <a14:foregroundMark x1="74333" y1="14111" x2="49444" y2="4667"/>
+                        <a14:foregroundMark x1="54778" y1="5000" x2="26222" y2="9111"/>
+                        <a14:foregroundMark x1="35000" y1="7778" x2="8667" y2="24556"/>
+                        <a14:foregroundMark x1="17444" y1="18889" x2="3000" y2="45111"/>
+                      </a14:backgroundRemoval>
+                    </a14:imgEffect>
+                  </a14:imgLayer>
+                </a14:imgProps>
+              </a:ext>
+            </a:extLst>
+          </a:blip>
+          <a:stretch>
+            <a:fillRect/>
+          </a:stretch>
+        </p:blipFill>
+        <p:spPr>
+          <a:xfrm>
+            <a:off x="132250" y="6473804"/>
+            <a:ext cx="386305" cy="386305"/>
+          </a:xfrm>
+          <a:prstGeom prst="rect">
+            <a:avLst/>
+          </a:prstGeom>
+        </p:spPr>
+      </p:pic>
+      <p:pic>
+        <p:nvPicPr>
+          <p:cNvPr id="14" name="그림 13">
+            <a:extLst>
+              <a:ext uri="{FF2B5EF4-FFF2-40B4-BE49-F238E27FC236}">
+                <a16:creationId xmlns:a16="http://schemas.microsoft.com/office/drawing/2014/main" id="{B0205A6B-98BF-874B-A97A-1AFAB1285DB3}"/>
+              </a:ext>
+            </a:extLst>
+          </p:cNvPr>
+          <p:cNvPicPr>
+            <a:picLocks noChangeAspect="1"/>
+          </p:cNvPicPr>
+          <p:nvPr/>
+        </p:nvPicPr>
+        <p:blipFill rotWithShape="1">
+          <a:blip r:embed="rId5">
+            <a:extLst>
+              <a:ext uri="{BEBA8EAE-BF5A-486C-A8C5-ECC9F3942E4B}">
+                <a14:imgProps xmlns:a14="http://schemas.microsoft.com/office/drawing/2010/main">
+                  <a14:imgLayer>
+                    <a14:imgEffect>
+                      <a14:backgroundRemoval t="10000" b="90000" l="32959" r="98315">
+                        <a14:foregroundMark x1="36704" y1="28667" x2="36704" y2="28667"/>
+                        <a14:foregroundMark x1="33146" y1="39333" x2="33146" y2="39333"/>
+                        <a14:foregroundMark x1="36142" y1="52667" x2="36142" y2="52667"/>
+                        <a14:foregroundMark x1="43071" y1="31333" x2="43071" y2="31333"/>
+                        <a14:foregroundMark x1="49438" y1="23333" x2="49438" y2="23333"/>
+                        <a14:foregroundMark x1="53184" y1="40667" x2="53184" y2="40667"/>
+                        <a14:foregroundMark x1="49813" y1="51333" x2="49813" y2="51333"/>
+                        <a14:foregroundMark x1="76779" y1="24667" x2="76779" y2="24667"/>
+                        <a14:foregroundMark x1="85955" y1="27333" x2="85955" y2="27333"/>
+                        <a14:foregroundMark x1="85206" y1="50667" x2="85206" y2="50667"/>
+                        <a14:foregroundMark x1="91011" y1="44667" x2="91011" y2="44667"/>
+                        <a14:foregroundMark x1="97566" y1="35333" x2="97566" y2="35333"/>
+                        <a14:foregroundMark x1="35955" y1="77333" x2="35955" y2="77333"/>
+                        <a14:foregroundMark x1="41386" y1="77333" x2="41386" y2="77333"/>
+                        <a14:foregroundMark x1="42697" y1="76667" x2="42697" y2="76667"/>
+                        <a14:foregroundMark x1="48502" y1="75333" x2="48502" y2="75333"/>
+                        <a14:foregroundMark x1="53184" y1="76667" x2="53184" y2="76667"/>
+                        <a14:foregroundMark x1="57678" y1="75333" x2="57678" y2="75333"/>
+                        <a14:foregroundMark x1="61985" y1="76000" x2="61985" y2="76000"/>
+                        <a14:foregroundMark x1="67416" y1="75333" x2="67416" y2="75333"/>
+                        <a14:foregroundMark x1="69850" y1="74667" x2="69850" y2="74667"/>
+                        <a14:foregroundMark x1="71161" y1="74667" x2="71161" y2="74667"/>
+                        <a14:foregroundMark x1="75468" y1="76000" x2="75468" y2="76000"/>
+                        <a14:foregroundMark x1="77154" y1="75333" x2="77154" y2="75333"/>
+                        <a14:foregroundMark x1="79401" y1="77333" x2="79401" y2="77333"/>
+                        <a14:foregroundMark x1="81086" y1="76000" x2="81086" y2="76000"/>
+                        <a14:foregroundMark x1="82397" y1="74000" x2="82397" y2="74000"/>
+                        <a14:foregroundMark x1="85768" y1="74667" x2="85768" y2="74667"/>
+                        <a14:foregroundMark x1="87828" y1="75333" x2="87828" y2="75333"/>
+                        <a14:foregroundMark x1="91011" y1="76000" x2="91011" y2="76000"/>
+                        <a14:foregroundMark x1="93633" y1="76000" x2="93633" y2="76000"/>
+                        <a14:foregroundMark x1="96442" y1="75333" x2="96442" y2="75333"/>
+                        <a14:foregroundMark x1="93071" y1="74000" x2="93071" y2="74000"/>
+                        <a14:foregroundMark x1="94757" y1="74000" x2="94757" y2="74000"/>
+                        <a14:foregroundMark x1="98315" y1="75333" x2="98315" y2="75333"/>
+                      </a14:backgroundRemoval>
+                    </a14:imgEffect>
+                  </a14:imgLayer>
+                </a14:imgProps>
+              </a:ext>
+            </a:extLst>
+          </a:blip>
+          <a:srcRect l="32072"/>
+          <a:stretch/>
+        </p:blipFill>
+        <p:spPr>
+          <a:xfrm>
+            <a:off x="518555" y="6456665"/>
+            <a:ext cx="1003220" cy="415375"/>
+          </a:xfrm>
+          <a:prstGeom prst="rect">
+            <a:avLst/>
+          </a:prstGeom>
         </p:spPr>
       </p:pic>
     </p:spTree>
@@ -12790,6 +15419,163 @@
       </p:grpSpPr>
       <p:sp>
         <p:nvSpPr>
+          <p:cNvPr id="7" name="직사각형 6">
+            <a:extLst>
+              <a:ext uri="{FF2B5EF4-FFF2-40B4-BE49-F238E27FC236}">
+                <a16:creationId xmlns:a16="http://schemas.microsoft.com/office/drawing/2014/main" id="{24C6AF5C-ADD6-BF42-91B2-43AF2C04A80B}"/>
+              </a:ext>
+            </a:extLst>
+          </p:cNvPr>
+          <p:cNvSpPr/>
+          <p:nvPr/>
+        </p:nvSpPr>
+        <p:spPr>
+          <a:xfrm>
+            <a:off x="0" y="6459730"/>
+            <a:ext cx="12191999" cy="420613"/>
+          </a:xfrm>
+          <a:prstGeom prst="rect">
+            <a:avLst/>
+          </a:prstGeom>
+          <a:gradFill>
+            <a:gsLst>
+              <a:gs pos="0">
+                <a:schemeClr val="accent1">
+                  <a:lumMod val="5000"/>
+                  <a:lumOff val="95000"/>
+                </a:schemeClr>
+              </a:gs>
+              <a:gs pos="74000">
+                <a:schemeClr val="accent1">
+                  <a:lumMod val="45000"/>
+                  <a:lumOff val="55000"/>
+                </a:schemeClr>
+              </a:gs>
+              <a:gs pos="83000">
+                <a:schemeClr val="accent1">
+                  <a:lumMod val="45000"/>
+                  <a:lumOff val="55000"/>
+                </a:schemeClr>
+              </a:gs>
+              <a:gs pos="100000">
+                <a:schemeClr val="accent1">
+                  <a:lumMod val="30000"/>
+                  <a:lumOff val="70000"/>
+                </a:schemeClr>
+              </a:gs>
+            </a:gsLst>
+            <a:lin ang="5400000" scaled="1"/>
+          </a:gradFill>
+          <a:ln>
+            <a:noFill/>
+          </a:ln>
+        </p:spPr>
+        <p:style>
+          <a:lnRef idx="2">
+            <a:schemeClr val="accent1">
+              <a:shade val="50000"/>
+            </a:schemeClr>
+          </a:lnRef>
+          <a:fillRef idx="1">
+            <a:schemeClr val="accent1"/>
+          </a:fillRef>
+          <a:effectRef idx="0">
+            <a:schemeClr val="accent1"/>
+          </a:effectRef>
+          <a:fontRef idx="minor">
+            <a:schemeClr val="lt1"/>
+          </a:fontRef>
+        </p:style>
+        <p:txBody>
+          <a:bodyPr rtlCol="0" anchor="ctr"/>
+          <a:lstStyle/>
+          <a:p>
+            <a:pPr algn="ctr"/>
+            <a:endParaRPr kumimoji="1" lang="ko-KR" altLang="en-US" dirty="0"/>
+          </a:p>
+        </p:txBody>
+      </p:sp>
+      <p:sp>
+        <p:nvSpPr>
+          <p:cNvPr id="6" name="직사각형 5">
+            <a:extLst>
+              <a:ext uri="{FF2B5EF4-FFF2-40B4-BE49-F238E27FC236}">
+                <a16:creationId xmlns:a16="http://schemas.microsoft.com/office/drawing/2014/main" id="{4AA3CEB6-A025-0843-9ACC-CEA05D76AF00}"/>
+              </a:ext>
+            </a:extLst>
+          </p:cNvPr>
+          <p:cNvSpPr/>
+          <p:nvPr/>
+        </p:nvSpPr>
+        <p:spPr>
+          <a:xfrm>
+            <a:off x="0" y="-5689"/>
+            <a:ext cx="12191999" cy="2428503"/>
+          </a:xfrm>
+          <a:prstGeom prst="rect">
+            <a:avLst/>
+          </a:prstGeom>
+          <a:gradFill flip="none" rotWithShape="1">
+            <a:gsLst>
+              <a:gs pos="0">
+                <a:schemeClr val="accent1">
+                  <a:lumMod val="5000"/>
+                  <a:lumOff val="95000"/>
+                </a:schemeClr>
+              </a:gs>
+              <a:gs pos="74000">
+                <a:schemeClr val="accent1">
+                  <a:lumMod val="45000"/>
+                  <a:lumOff val="55000"/>
+                </a:schemeClr>
+              </a:gs>
+              <a:gs pos="83000">
+                <a:schemeClr val="accent1">
+                  <a:lumMod val="45000"/>
+                  <a:lumOff val="55000"/>
+                </a:schemeClr>
+              </a:gs>
+              <a:gs pos="100000">
+                <a:schemeClr val="accent1">
+                  <a:lumMod val="30000"/>
+                  <a:lumOff val="70000"/>
+                </a:schemeClr>
+              </a:gs>
+            </a:gsLst>
+            <a:lin ang="16200000" scaled="1"/>
+            <a:tileRect/>
+          </a:gradFill>
+          <a:ln>
+            <a:noFill/>
+          </a:ln>
+        </p:spPr>
+        <p:style>
+          <a:lnRef idx="2">
+            <a:schemeClr val="accent1">
+              <a:shade val="50000"/>
+            </a:schemeClr>
+          </a:lnRef>
+          <a:fillRef idx="1">
+            <a:schemeClr val="accent1"/>
+          </a:fillRef>
+          <a:effectRef idx="0">
+            <a:schemeClr val="accent1"/>
+          </a:effectRef>
+          <a:fontRef idx="minor">
+            <a:schemeClr val="lt1"/>
+          </a:fontRef>
+        </p:style>
+        <p:txBody>
+          <a:bodyPr rtlCol="0" anchor="ctr"/>
+          <a:lstStyle/>
+          <a:p>
+            <a:pPr algn="ctr"/>
+            <a:endParaRPr kumimoji="1" lang="ko-KR" altLang="en-US"/>
+          </a:p>
+        </p:txBody>
+      </p:sp>
+      <p:sp>
+        <p:nvSpPr>
           <p:cNvPr id="153" name="제목 1"/>
           <p:cNvSpPr txBox="1">
             <a:spLocks noGrp="1"/>
@@ -12846,7 +15632,7 @@
           </a:prstGeom>
           <a:extLst>
             <a:ext uri="{C572A759-6A51-4108-AA02-DFA0A04FC94B}">
-              <ma14:wrappingTextBoxFlag xmlns="" xmlns:m="http://schemas.openxmlformats.org/officeDocument/2006/math" xmlns:a14="http://schemas.microsoft.com/office/drawing/2010/main" xmlns:ma14="http://schemas.microsoft.com/office/mac/drawingml/2011/main" val="1"/>
+              <ma14:wrappingTextBoxFlag xmlns:ma14="http://schemas.microsoft.com/office/mac/drawingml/2011/main" xmlns:a14="http://schemas.microsoft.com/office/drawing/2010/main" xmlns:m="http://schemas.openxmlformats.org/officeDocument/2006/math" xmlns="" val="1"/>
             </a:ext>
           </a:extLst>
         </p:spPr>
@@ -12880,7 +15666,7 @@
           </a:ln>
           <a:extLst>
             <a:ext uri="{C572A759-6A51-4108-AA02-DFA0A04FC94B}">
-              <ma14:wrappingTextBoxFlag xmlns="" xmlns:m="http://schemas.openxmlformats.org/officeDocument/2006/math" xmlns:a14="http://schemas.microsoft.com/office/drawing/2010/main" xmlns:ma14="http://schemas.microsoft.com/office/mac/drawingml/2011/main" val="1"/>
+              <ma14:wrappingTextBoxFlag xmlns:ma14="http://schemas.microsoft.com/office/mac/drawingml/2011/main" xmlns:a14="http://schemas.microsoft.com/office/drawing/2010/main" xmlns:m="http://schemas.openxmlformats.org/officeDocument/2006/math" xmlns="" val="1"/>
             </a:ext>
           </a:extLst>
         </p:spPr>
@@ -13326,6 +16112,137 @@
           </a:p>
         </p:txBody>
       </p:sp>
+      <p:pic>
+        <p:nvPicPr>
+          <p:cNvPr id="8" name="그림 7">
+            <a:extLst>
+              <a:ext uri="{FF2B5EF4-FFF2-40B4-BE49-F238E27FC236}">
+                <a16:creationId xmlns:a16="http://schemas.microsoft.com/office/drawing/2014/main" id="{C0499947-F643-1540-895C-A632EA2D63E8}"/>
+              </a:ext>
+            </a:extLst>
+          </p:cNvPr>
+          <p:cNvPicPr>
+            <a:picLocks noChangeAspect="1"/>
+          </p:cNvPicPr>
+          <p:nvPr/>
+        </p:nvPicPr>
+        <p:blipFill>
+          <a:blip r:embed="rId2">
+            <a:extLst>
+              <a:ext uri="{BEBA8EAE-BF5A-486C-A8C5-ECC9F3942E4B}">
+                <a14:imgProps xmlns:a14="http://schemas.microsoft.com/office/drawing/2010/main">
+                  <a14:imgLayer>
+                    <a14:imgEffect>
+                      <a14:backgroundRemoval t="0" b="100000" l="0" r="100000">
+                        <a14:foregroundMark x1="5000" y1="58889" x2="11444" y2="75111"/>
+                        <a14:foregroundMark x1="9000" y1="71333" x2="36333" y2="93222"/>
+                        <a14:foregroundMark x1="29889" y1="91556" x2="65889" y2="95000"/>
+                        <a14:foregroundMark x1="58222" y1="95667" x2="89222" y2="73778"/>
+                        <a14:foregroundMark x1="82444" y1="79778" x2="94889" y2="55556"/>
+                        <a14:foregroundMark x1="93889" y1="46444" x2="87111" y2="23222"/>
+                        <a14:foregroundMark x1="88778" y1="30000" x2="72000" y2="11444"/>
+                        <a14:foregroundMark x1="74333" y1="14111" x2="49444" y2="4667"/>
+                        <a14:foregroundMark x1="54778" y1="5000" x2="26222" y2="9111"/>
+                        <a14:foregroundMark x1="35000" y1="7778" x2="8667" y2="24556"/>
+                        <a14:foregroundMark x1="17444" y1="18889" x2="3000" y2="45111"/>
+                      </a14:backgroundRemoval>
+                    </a14:imgEffect>
+                  </a14:imgLayer>
+                </a14:imgProps>
+              </a:ext>
+            </a:extLst>
+          </a:blip>
+          <a:stretch>
+            <a:fillRect/>
+          </a:stretch>
+        </p:blipFill>
+        <p:spPr>
+          <a:xfrm>
+            <a:off x="132250" y="6473804"/>
+            <a:ext cx="386305" cy="386305"/>
+          </a:xfrm>
+          <a:prstGeom prst="rect">
+            <a:avLst/>
+          </a:prstGeom>
+        </p:spPr>
+      </p:pic>
+      <p:pic>
+        <p:nvPicPr>
+          <p:cNvPr id="9" name="그림 8">
+            <a:extLst>
+              <a:ext uri="{FF2B5EF4-FFF2-40B4-BE49-F238E27FC236}">
+                <a16:creationId xmlns:a16="http://schemas.microsoft.com/office/drawing/2014/main" id="{D01B93F2-3257-264B-9955-E6F0AE75FAB0}"/>
+              </a:ext>
+            </a:extLst>
+          </p:cNvPr>
+          <p:cNvPicPr>
+            <a:picLocks noChangeAspect="1"/>
+          </p:cNvPicPr>
+          <p:nvPr/>
+        </p:nvPicPr>
+        <p:blipFill rotWithShape="1">
+          <a:blip r:embed="rId3">
+            <a:extLst>
+              <a:ext uri="{BEBA8EAE-BF5A-486C-A8C5-ECC9F3942E4B}">
+                <a14:imgProps xmlns:a14="http://schemas.microsoft.com/office/drawing/2010/main">
+                  <a14:imgLayer>
+                    <a14:imgEffect>
+                      <a14:backgroundRemoval t="10000" b="90000" l="32959" r="98315">
+                        <a14:foregroundMark x1="36704" y1="28667" x2="36704" y2="28667"/>
+                        <a14:foregroundMark x1="33146" y1="39333" x2="33146" y2="39333"/>
+                        <a14:foregroundMark x1="36142" y1="52667" x2="36142" y2="52667"/>
+                        <a14:foregroundMark x1="43071" y1="31333" x2="43071" y2="31333"/>
+                        <a14:foregroundMark x1="49438" y1="23333" x2="49438" y2="23333"/>
+                        <a14:foregroundMark x1="53184" y1="40667" x2="53184" y2="40667"/>
+                        <a14:foregroundMark x1="49813" y1="51333" x2="49813" y2="51333"/>
+                        <a14:foregroundMark x1="76779" y1="24667" x2="76779" y2="24667"/>
+                        <a14:foregroundMark x1="85955" y1="27333" x2="85955" y2="27333"/>
+                        <a14:foregroundMark x1="85206" y1="50667" x2="85206" y2="50667"/>
+                        <a14:foregroundMark x1="91011" y1="44667" x2="91011" y2="44667"/>
+                        <a14:foregroundMark x1="97566" y1="35333" x2="97566" y2="35333"/>
+                        <a14:foregroundMark x1="35955" y1="77333" x2="35955" y2="77333"/>
+                        <a14:foregroundMark x1="41386" y1="77333" x2="41386" y2="77333"/>
+                        <a14:foregroundMark x1="42697" y1="76667" x2="42697" y2="76667"/>
+                        <a14:foregroundMark x1="48502" y1="75333" x2="48502" y2="75333"/>
+                        <a14:foregroundMark x1="53184" y1="76667" x2="53184" y2="76667"/>
+                        <a14:foregroundMark x1="57678" y1="75333" x2="57678" y2="75333"/>
+                        <a14:foregroundMark x1="61985" y1="76000" x2="61985" y2="76000"/>
+                        <a14:foregroundMark x1="67416" y1="75333" x2="67416" y2="75333"/>
+                        <a14:foregroundMark x1="69850" y1="74667" x2="69850" y2="74667"/>
+                        <a14:foregroundMark x1="71161" y1="74667" x2="71161" y2="74667"/>
+                        <a14:foregroundMark x1="75468" y1="76000" x2="75468" y2="76000"/>
+                        <a14:foregroundMark x1="77154" y1="75333" x2="77154" y2="75333"/>
+                        <a14:foregroundMark x1="79401" y1="77333" x2="79401" y2="77333"/>
+                        <a14:foregroundMark x1="81086" y1="76000" x2="81086" y2="76000"/>
+                        <a14:foregroundMark x1="82397" y1="74000" x2="82397" y2="74000"/>
+                        <a14:foregroundMark x1="85768" y1="74667" x2="85768" y2="74667"/>
+                        <a14:foregroundMark x1="87828" y1="75333" x2="87828" y2="75333"/>
+                        <a14:foregroundMark x1="91011" y1="76000" x2="91011" y2="76000"/>
+                        <a14:foregroundMark x1="93633" y1="76000" x2="93633" y2="76000"/>
+                        <a14:foregroundMark x1="96442" y1="75333" x2="96442" y2="75333"/>
+                        <a14:foregroundMark x1="93071" y1="74000" x2="93071" y2="74000"/>
+                        <a14:foregroundMark x1="94757" y1="74000" x2="94757" y2="74000"/>
+                        <a14:foregroundMark x1="98315" y1="75333" x2="98315" y2="75333"/>
+                      </a14:backgroundRemoval>
+                    </a14:imgEffect>
+                  </a14:imgLayer>
+                </a14:imgProps>
+              </a:ext>
+            </a:extLst>
+          </a:blip>
+          <a:srcRect l="32072"/>
+          <a:stretch/>
+        </p:blipFill>
+        <p:spPr>
+          <a:xfrm>
+            <a:off x="518555" y="6456665"/>
+            <a:ext cx="1003220" cy="415375"/>
+          </a:xfrm>
+          <a:prstGeom prst="rect">
+            <a:avLst/>
+          </a:prstGeom>
+        </p:spPr>
+      </p:pic>
     </p:spTree>
   </p:cSld>
   <p:clrMapOvr>
@@ -13656,6 +16573,163 @@
       </p:grpSpPr>
       <p:sp>
         <p:nvSpPr>
+          <p:cNvPr id="16" name="직사각형 15">
+            <a:extLst>
+              <a:ext uri="{FF2B5EF4-FFF2-40B4-BE49-F238E27FC236}">
+                <a16:creationId xmlns:a16="http://schemas.microsoft.com/office/drawing/2014/main" id="{35F076C9-2E1E-A546-9047-14DA58603221}"/>
+              </a:ext>
+            </a:extLst>
+          </p:cNvPr>
+          <p:cNvSpPr/>
+          <p:nvPr/>
+        </p:nvSpPr>
+        <p:spPr>
+          <a:xfrm>
+            <a:off x="0" y="6459730"/>
+            <a:ext cx="12191999" cy="420613"/>
+          </a:xfrm>
+          <a:prstGeom prst="rect">
+            <a:avLst/>
+          </a:prstGeom>
+          <a:gradFill>
+            <a:gsLst>
+              <a:gs pos="0">
+                <a:schemeClr val="accent1">
+                  <a:lumMod val="5000"/>
+                  <a:lumOff val="95000"/>
+                </a:schemeClr>
+              </a:gs>
+              <a:gs pos="74000">
+                <a:schemeClr val="accent1">
+                  <a:lumMod val="45000"/>
+                  <a:lumOff val="55000"/>
+                </a:schemeClr>
+              </a:gs>
+              <a:gs pos="83000">
+                <a:schemeClr val="accent1">
+                  <a:lumMod val="45000"/>
+                  <a:lumOff val="55000"/>
+                </a:schemeClr>
+              </a:gs>
+              <a:gs pos="100000">
+                <a:schemeClr val="accent1">
+                  <a:lumMod val="30000"/>
+                  <a:lumOff val="70000"/>
+                </a:schemeClr>
+              </a:gs>
+            </a:gsLst>
+            <a:lin ang="5400000" scaled="1"/>
+          </a:gradFill>
+          <a:ln>
+            <a:noFill/>
+          </a:ln>
+        </p:spPr>
+        <p:style>
+          <a:lnRef idx="2">
+            <a:schemeClr val="accent1">
+              <a:shade val="50000"/>
+            </a:schemeClr>
+          </a:lnRef>
+          <a:fillRef idx="1">
+            <a:schemeClr val="accent1"/>
+          </a:fillRef>
+          <a:effectRef idx="0">
+            <a:schemeClr val="accent1"/>
+          </a:effectRef>
+          <a:fontRef idx="minor">
+            <a:schemeClr val="lt1"/>
+          </a:fontRef>
+        </p:style>
+        <p:txBody>
+          <a:bodyPr rtlCol="0" anchor="ctr"/>
+          <a:lstStyle/>
+          <a:p>
+            <a:pPr algn="ctr"/>
+            <a:endParaRPr kumimoji="1" lang="ko-KR" altLang="en-US" dirty="0"/>
+          </a:p>
+        </p:txBody>
+      </p:sp>
+      <p:sp>
+        <p:nvSpPr>
+          <p:cNvPr id="15" name="직사각형 14">
+            <a:extLst>
+              <a:ext uri="{FF2B5EF4-FFF2-40B4-BE49-F238E27FC236}">
+                <a16:creationId xmlns:a16="http://schemas.microsoft.com/office/drawing/2014/main" id="{CE8B7FCF-6488-2D4A-9D01-66685A3B84BC}"/>
+              </a:ext>
+            </a:extLst>
+          </p:cNvPr>
+          <p:cNvSpPr/>
+          <p:nvPr/>
+        </p:nvSpPr>
+        <p:spPr>
+          <a:xfrm>
+            <a:off x="0" y="-5689"/>
+            <a:ext cx="12191999" cy="2428503"/>
+          </a:xfrm>
+          <a:prstGeom prst="rect">
+            <a:avLst/>
+          </a:prstGeom>
+          <a:gradFill flip="none" rotWithShape="1">
+            <a:gsLst>
+              <a:gs pos="0">
+                <a:schemeClr val="accent1">
+                  <a:lumMod val="5000"/>
+                  <a:lumOff val="95000"/>
+                </a:schemeClr>
+              </a:gs>
+              <a:gs pos="74000">
+                <a:schemeClr val="accent1">
+                  <a:lumMod val="45000"/>
+                  <a:lumOff val="55000"/>
+                </a:schemeClr>
+              </a:gs>
+              <a:gs pos="83000">
+                <a:schemeClr val="accent1">
+                  <a:lumMod val="45000"/>
+                  <a:lumOff val="55000"/>
+                </a:schemeClr>
+              </a:gs>
+              <a:gs pos="100000">
+                <a:schemeClr val="accent1">
+                  <a:lumMod val="30000"/>
+                  <a:lumOff val="70000"/>
+                </a:schemeClr>
+              </a:gs>
+            </a:gsLst>
+            <a:lin ang="16200000" scaled="1"/>
+            <a:tileRect/>
+          </a:gradFill>
+          <a:ln>
+            <a:noFill/>
+          </a:ln>
+        </p:spPr>
+        <p:style>
+          <a:lnRef idx="2">
+            <a:schemeClr val="accent1">
+              <a:shade val="50000"/>
+            </a:schemeClr>
+          </a:lnRef>
+          <a:fillRef idx="1">
+            <a:schemeClr val="accent1"/>
+          </a:fillRef>
+          <a:effectRef idx="0">
+            <a:schemeClr val="accent1"/>
+          </a:effectRef>
+          <a:fontRef idx="minor">
+            <a:schemeClr val="lt1"/>
+          </a:fontRef>
+        </p:style>
+        <p:txBody>
+          <a:bodyPr rtlCol="0" anchor="ctr"/>
+          <a:lstStyle/>
+          <a:p>
+            <a:pPr algn="ctr"/>
+            <a:endParaRPr kumimoji="1" lang="ko-KR" altLang="en-US"/>
+          </a:p>
+        </p:txBody>
+      </p:sp>
+      <p:sp>
+        <p:nvSpPr>
           <p:cNvPr id="157" name="제목 1"/>
           <p:cNvSpPr txBox="1">
             <a:spLocks noGrp="1"/>
@@ -13712,7 +16786,7 @@
           </a:prstGeom>
           <a:extLst>
             <a:ext uri="{C572A759-6A51-4108-AA02-DFA0A04FC94B}">
-              <ma14:wrappingTextBoxFlag xmlns="" xmlns:m="http://schemas.openxmlformats.org/officeDocument/2006/math" xmlns:a14="http://schemas.microsoft.com/office/drawing/2010/main" xmlns:ma14="http://schemas.microsoft.com/office/mac/drawingml/2011/main" val="1"/>
+              <ma14:wrappingTextBoxFlag xmlns:ma14="http://schemas.microsoft.com/office/mac/drawingml/2011/main" xmlns:a14="http://schemas.microsoft.com/office/drawing/2010/main" xmlns:m="http://schemas.openxmlformats.org/officeDocument/2006/math" xmlns="" val="1"/>
             </a:ext>
           </a:extLst>
         </p:spPr>
@@ -13746,7 +16820,7 @@
           </a:ln>
           <a:extLst>
             <a:ext uri="{C572A759-6A51-4108-AA02-DFA0A04FC94B}">
-              <ma14:wrappingTextBoxFlag xmlns="" xmlns:m="http://schemas.openxmlformats.org/officeDocument/2006/math" xmlns:a14="http://schemas.microsoft.com/office/drawing/2010/main" xmlns:ma14="http://schemas.microsoft.com/office/mac/drawingml/2011/main" val="1"/>
+              <ma14:wrappingTextBoxFlag xmlns:ma14="http://schemas.microsoft.com/office/mac/drawingml/2011/main" xmlns:a14="http://schemas.microsoft.com/office/drawing/2010/main" xmlns:m="http://schemas.openxmlformats.org/officeDocument/2006/math" xmlns="" val="1"/>
             </a:ext>
           </a:extLst>
         </p:spPr>
@@ -13800,7 +16874,7 @@
           </a:ln>
           <a:extLst>
             <a:ext uri="{C572A759-6A51-4108-AA02-DFA0A04FC94B}">
-              <ma14:wrappingTextBoxFlag xmlns="" xmlns:m="http://schemas.openxmlformats.org/officeDocument/2006/math" xmlns:a14="http://schemas.microsoft.com/office/drawing/2010/main" xmlns:ma14="http://schemas.microsoft.com/office/mac/drawingml/2011/main" val="1"/>
+              <ma14:wrappingTextBoxFlag xmlns:ma14="http://schemas.microsoft.com/office/mac/drawingml/2011/main" xmlns:a14="http://schemas.microsoft.com/office/drawing/2010/main" xmlns:m="http://schemas.openxmlformats.org/officeDocument/2006/math" xmlns="" val="1"/>
             </a:ext>
           </a:extLst>
         </p:spPr>
@@ -13916,7 +16990,7 @@
           </a:ln>
           <a:extLst>
             <a:ext uri="{C572A759-6A51-4108-AA02-DFA0A04FC94B}">
-              <ma14:wrappingTextBoxFlag xmlns="" xmlns:m="http://schemas.openxmlformats.org/officeDocument/2006/math" xmlns:a14="http://schemas.microsoft.com/office/drawing/2010/main" xmlns:ma14="http://schemas.microsoft.com/office/mac/drawingml/2011/main" val="1"/>
+              <ma14:wrappingTextBoxFlag xmlns:ma14="http://schemas.microsoft.com/office/mac/drawingml/2011/main" xmlns:a14="http://schemas.microsoft.com/office/drawing/2010/main" xmlns:m="http://schemas.openxmlformats.org/officeDocument/2006/math" xmlns="" val="1"/>
             </a:ext>
           </a:extLst>
         </p:spPr>
@@ -13976,7 +17050,7 @@
           </a:ln>
           <a:extLst>
             <a:ext uri="{C572A759-6A51-4108-AA02-DFA0A04FC94B}">
-              <ma14:wrappingTextBoxFlag xmlns="" xmlns:m="http://schemas.openxmlformats.org/officeDocument/2006/math" xmlns:a14="http://schemas.microsoft.com/office/drawing/2010/main" xmlns:ma14="http://schemas.microsoft.com/office/mac/drawingml/2011/main" val="1"/>
+              <ma14:wrappingTextBoxFlag xmlns:ma14="http://schemas.microsoft.com/office/mac/drawingml/2011/main" xmlns:a14="http://schemas.microsoft.com/office/drawing/2010/main" xmlns:m="http://schemas.openxmlformats.org/officeDocument/2006/math" xmlns="" val="1"/>
             </a:ext>
           </a:extLst>
         </p:spPr>
@@ -14327,7 +17401,7 @@
           </a:ln>
           <a:extLst>
             <a:ext uri="{C572A759-6A51-4108-AA02-DFA0A04FC94B}">
-              <ma14:wrappingTextBoxFlag xmlns="" xmlns:m="http://schemas.openxmlformats.org/officeDocument/2006/math" xmlns:a14="http://schemas.microsoft.com/office/drawing/2010/main" xmlns:ma14="http://schemas.microsoft.com/office/mac/drawingml/2011/main" val="1"/>
+              <ma14:wrappingTextBoxFlag xmlns:ma14="http://schemas.microsoft.com/office/mac/drawingml/2011/main" xmlns:a14="http://schemas.microsoft.com/office/drawing/2010/main" xmlns:m="http://schemas.openxmlformats.org/officeDocument/2006/math" xmlns="" val="1"/>
             </a:ext>
           </a:extLst>
         </p:spPr>
@@ -14407,7 +17481,7 @@
           </a:ln>
           <a:extLst>
             <a:ext uri="{C572A759-6A51-4108-AA02-DFA0A04FC94B}">
-              <ma14:wrappingTextBoxFlag xmlns="" xmlns:m="http://schemas.openxmlformats.org/officeDocument/2006/math" xmlns:a14="http://schemas.microsoft.com/office/drawing/2010/main" xmlns:ma14="http://schemas.microsoft.com/office/mac/drawingml/2011/main" val="1"/>
+              <ma14:wrappingTextBoxFlag xmlns:ma14="http://schemas.microsoft.com/office/mac/drawingml/2011/main" xmlns:a14="http://schemas.microsoft.com/office/drawing/2010/main" xmlns:m="http://schemas.openxmlformats.org/officeDocument/2006/math" xmlns="" val="1"/>
             </a:ext>
           </a:extLst>
         </p:spPr>
@@ -14714,6 +17788,137 @@
           </a:p>
         </p:txBody>
       </p:sp>
+      <p:pic>
+        <p:nvPicPr>
+          <p:cNvPr id="17" name="그림 16">
+            <a:extLst>
+              <a:ext uri="{FF2B5EF4-FFF2-40B4-BE49-F238E27FC236}">
+                <a16:creationId xmlns:a16="http://schemas.microsoft.com/office/drawing/2014/main" id="{0D7A76C4-18B8-0043-93D8-EAC326049A7F}"/>
+              </a:ext>
+            </a:extLst>
+          </p:cNvPr>
+          <p:cNvPicPr>
+            <a:picLocks noChangeAspect="1"/>
+          </p:cNvPicPr>
+          <p:nvPr/>
+        </p:nvPicPr>
+        <p:blipFill>
+          <a:blip r:embed="rId6">
+            <a:extLst>
+              <a:ext uri="{BEBA8EAE-BF5A-486C-A8C5-ECC9F3942E4B}">
+                <a14:imgProps xmlns:a14="http://schemas.microsoft.com/office/drawing/2010/main">
+                  <a14:imgLayer>
+                    <a14:imgEffect>
+                      <a14:backgroundRemoval t="0" b="100000" l="0" r="100000">
+                        <a14:foregroundMark x1="5000" y1="58889" x2="11444" y2="75111"/>
+                        <a14:foregroundMark x1="9000" y1="71333" x2="36333" y2="93222"/>
+                        <a14:foregroundMark x1="29889" y1="91556" x2="65889" y2="95000"/>
+                        <a14:foregroundMark x1="58222" y1="95667" x2="89222" y2="73778"/>
+                        <a14:foregroundMark x1="82444" y1="79778" x2="94889" y2="55556"/>
+                        <a14:foregroundMark x1="93889" y1="46444" x2="87111" y2="23222"/>
+                        <a14:foregroundMark x1="88778" y1="30000" x2="72000" y2="11444"/>
+                        <a14:foregroundMark x1="74333" y1="14111" x2="49444" y2="4667"/>
+                        <a14:foregroundMark x1="54778" y1="5000" x2="26222" y2="9111"/>
+                        <a14:foregroundMark x1="35000" y1="7778" x2="8667" y2="24556"/>
+                        <a14:foregroundMark x1="17444" y1="18889" x2="3000" y2="45111"/>
+                      </a14:backgroundRemoval>
+                    </a14:imgEffect>
+                  </a14:imgLayer>
+                </a14:imgProps>
+              </a:ext>
+            </a:extLst>
+          </a:blip>
+          <a:stretch>
+            <a:fillRect/>
+          </a:stretch>
+        </p:blipFill>
+        <p:spPr>
+          <a:xfrm>
+            <a:off x="132250" y="6473804"/>
+            <a:ext cx="386305" cy="386305"/>
+          </a:xfrm>
+          <a:prstGeom prst="rect">
+            <a:avLst/>
+          </a:prstGeom>
+        </p:spPr>
+      </p:pic>
+      <p:pic>
+        <p:nvPicPr>
+          <p:cNvPr id="18" name="그림 17">
+            <a:extLst>
+              <a:ext uri="{FF2B5EF4-FFF2-40B4-BE49-F238E27FC236}">
+                <a16:creationId xmlns:a16="http://schemas.microsoft.com/office/drawing/2014/main" id="{AE3CDC44-82D1-234B-845D-AAAEFD94AE91}"/>
+              </a:ext>
+            </a:extLst>
+          </p:cNvPr>
+          <p:cNvPicPr>
+            <a:picLocks noChangeAspect="1"/>
+          </p:cNvPicPr>
+          <p:nvPr/>
+        </p:nvPicPr>
+        <p:blipFill rotWithShape="1">
+          <a:blip r:embed="rId7">
+            <a:extLst>
+              <a:ext uri="{BEBA8EAE-BF5A-486C-A8C5-ECC9F3942E4B}">
+                <a14:imgProps xmlns:a14="http://schemas.microsoft.com/office/drawing/2010/main">
+                  <a14:imgLayer>
+                    <a14:imgEffect>
+                      <a14:backgroundRemoval t="10000" b="90000" l="32959" r="98315">
+                        <a14:foregroundMark x1="36704" y1="28667" x2="36704" y2="28667"/>
+                        <a14:foregroundMark x1="33146" y1="39333" x2="33146" y2="39333"/>
+                        <a14:foregroundMark x1="36142" y1="52667" x2="36142" y2="52667"/>
+                        <a14:foregroundMark x1="43071" y1="31333" x2="43071" y2="31333"/>
+                        <a14:foregroundMark x1="49438" y1="23333" x2="49438" y2="23333"/>
+                        <a14:foregroundMark x1="53184" y1="40667" x2="53184" y2="40667"/>
+                        <a14:foregroundMark x1="49813" y1="51333" x2="49813" y2="51333"/>
+                        <a14:foregroundMark x1="76779" y1="24667" x2="76779" y2="24667"/>
+                        <a14:foregroundMark x1="85955" y1="27333" x2="85955" y2="27333"/>
+                        <a14:foregroundMark x1="85206" y1="50667" x2="85206" y2="50667"/>
+                        <a14:foregroundMark x1="91011" y1="44667" x2="91011" y2="44667"/>
+                        <a14:foregroundMark x1="97566" y1="35333" x2="97566" y2="35333"/>
+                        <a14:foregroundMark x1="35955" y1="77333" x2="35955" y2="77333"/>
+                        <a14:foregroundMark x1="41386" y1="77333" x2="41386" y2="77333"/>
+                        <a14:foregroundMark x1="42697" y1="76667" x2="42697" y2="76667"/>
+                        <a14:foregroundMark x1="48502" y1="75333" x2="48502" y2="75333"/>
+                        <a14:foregroundMark x1="53184" y1="76667" x2="53184" y2="76667"/>
+                        <a14:foregroundMark x1="57678" y1="75333" x2="57678" y2="75333"/>
+                        <a14:foregroundMark x1="61985" y1="76000" x2="61985" y2="76000"/>
+                        <a14:foregroundMark x1="67416" y1="75333" x2="67416" y2="75333"/>
+                        <a14:foregroundMark x1="69850" y1="74667" x2="69850" y2="74667"/>
+                        <a14:foregroundMark x1="71161" y1="74667" x2="71161" y2="74667"/>
+                        <a14:foregroundMark x1="75468" y1="76000" x2="75468" y2="76000"/>
+                        <a14:foregroundMark x1="77154" y1="75333" x2="77154" y2="75333"/>
+                        <a14:foregroundMark x1="79401" y1="77333" x2="79401" y2="77333"/>
+                        <a14:foregroundMark x1="81086" y1="76000" x2="81086" y2="76000"/>
+                        <a14:foregroundMark x1="82397" y1="74000" x2="82397" y2="74000"/>
+                        <a14:foregroundMark x1="85768" y1="74667" x2="85768" y2="74667"/>
+                        <a14:foregroundMark x1="87828" y1="75333" x2="87828" y2="75333"/>
+                        <a14:foregroundMark x1="91011" y1="76000" x2="91011" y2="76000"/>
+                        <a14:foregroundMark x1="93633" y1="76000" x2="93633" y2="76000"/>
+                        <a14:foregroundMark x1="96442" y1="75333" x2="96442" y2="75333"/>
+                        <a14:foregroundMark x1="93071" y1="74000" x2="93071" y2="74000"/>
+                        <a14:foregroundMark x1="94757" y1="74000" x2="94757" y2="74000"/>
+                        <a14:foregroundMark x1="98315" y1="75333" x2="98315" y2="75333"/>
+                      </a14:backgroundRemoval>
+                    </a14:imgEffect>
+                  </a14:imgLayer>
+                </a14:imgProps>
+              </a:ext>
+            </a:extLst>
+          </a:blip>
+          <a:srcRect l="32072"/>
+          <a:stretch/>
+        </p:blipFill>
+        <p:spPr>
+          <a:xfrm>
+            <a:off x="518555" y="6456665"/>
+            <a:ext cx="1003220" cy="415375"/>
+          </a:xfrm>
+          <a:prstGeom prst="rect">
+            <a:avLst/>
+          </a:prstGeom>
+        </p:spPr>
+      </p:pic>
     </p:spTree>
   </p:cSld>
   <p:clrMapOvr>
